--- a/React Training.pptx
+++ b/React Training.pptx
@@ -5,7 +5,7 @@
     <p:sldMasterId id="2147483648" r:id="rId1"/>
   </p:sldMasterIdLst>
   <p:notesMasterIdLst>
-    <p:notesMasterId r:id="rId26"/>
+    <p:notesMasterId r:id="rId29"/>
   </p:notesMasterIdLst>
   <p:sldIdLst>
     <p:sldId id="256" r:id="rId2"/>
@@ -14,24 +14,27 @@
     <p:sldId id="308" r:id="rId5"/>
     <p:sldId id="259" r:id="rId6"/>
     <p:sldId id="298" r:id="rId7"/>
-    <p:sldId id="299" r:id="rId8"/>
-    <p:sldId id="302" r:id="rId9"/>
-    <p:sldId id="303" r:id="rId10"/>
-    <p:sldId id="304" r:id="rId11"/>
-    <p:sldId id="309" r:id="rId12"/>
-    <p:sldId id="300" r:id="rId13"/>
-    <p:sldId id="301" r:id="rId14"/>
-    <p:sldId id="306" r:id="rId15"/>
-    <p:sldId id="310" r:id="rId16"/>
-    <p:sldId id="311" r:id="rId17"/>
-    <p:sldId id="312" r:id="rId18"/>
-    <p:sldId id="313" r:id="rId19"/>
-    <p:sldId id="319" r:id="rId20"/>
-    <p:sldId id="314" r:id="rId21"/>
-    <p:sldId id="315" r:id="rId22"/>
-    <p:sldId id="316" r:id="rId23"/>
-    <p:sldId id="317" r:id="rId24"/>
-    <p:sldId id="318" r:id="rId25"/>
+    <p:sldId id="321" r:id="rId8"/>
+    <p:sldId id="299" r:id="rId9"/>
+    <p:sldId id="302" r:id="rId10"/>
+    <p:sldId id="303" r:id="rId11"/>
+    <p:sldId id="304" r:id="rId12"/>
+    <p:sldId id="309" r:id="rId13"/>
+    <p:sldId id="300" r:id="rId14"/>
+    <p:sldId id="301" r:id="rId15"/>
+    <p:sldId id="306" r:id="rId16"/>
+    <p:sldId id="310" r:id="rId17"/>
+    <p:sldId id="322" r:id="rId18"/>
+    <p:sldId id="311" r:id="rId19"/>
+    <p:sldId id="312" r:id="rId20"/>
+    <p:sldId id="313" r:id="rId21"/>
+    <p:sldId id="319" r:id="rId22"/>
+    <p:sldId id="314" r:id="rId23"/>
+    <p:sldId id="315" r:id="rId24"/>
+    <p:sldId id="316" r:id="rId25"/>
+    <p:sldId id="317" r:id="rId26"/>
+    <p:sldId id="318" r:id="rId27"/>
+    <p:sldId id="320" r:id="rId28"/>
   </p:sldIdLst>
   <p:sldSz cx="12192000" cy="6858000"/>
   <p:notesSz cx="6858000" cy="9144000"/>
@@ -3737,9 +3740,10 @@
               <a:buNone/>
             </a:pPr>
             <a:r>
-              <a:rPr lang="en-US" dirty="0"/>
-              <a:t>Thriving Community</a:t>
-            </a:r>
+              <a:rPr lang="en-US" dirty="0" err="1"/>
+              <a:t>Unopiniated</a:t>
+            </a:r>
+            <a:endParaRPr lang="en-US" dirty="0"/>
           </a:p>
           <a:p>
             <a:pPr marL="0" indent="0" algn="ctr">
@@ -3747,7 +3751,7 @@
             </a:pPr>
             <a:r>
               <a:rPr lang="en-US" sz="2000" dirty="0"/>
-              <a:t>Backing by Facebook and huge community support</a:t>
+              <a:t>Power to pick and choose modules</a:t>
             </a:r>
           </a:p>
           <a:p>
@@ -3756,16 +3760,7 @@
             </a:pPr>
             <a:r>
               <a:rPr lang="en-US" sz="2000" dirty="0"/>
-              <a:t>3rd Party libraries</a:t>
-            </a:r>
-          </a:p>
-          <a:p>
-            <a:pPr marL="0" indent="0" algn="ctr">
-              <a:buNone/>
-            </a:pPr>
-            <a:r>
-              <a:rPr lang="en-US" sz="2000" dirty="0"/>
-              <a:t>MIT license in React 16</a:t>
+              <a:t>React being just View library</a:t>
             </a:r>
           </a:p>
           <a:p>
@@ -3781,7 +3776,7 @@
     </p:spTree>
     <p:extLst>
       <p:ext uri="{BB962C8B-B14F-4D97-AF65-F5344CB8AC3E}">
-        <p14:creationId xmlns:p14="http://schemas.microsoft.com/office/powerpoint/2010/main" val="3751227367"/>
+        <p14:creationId xmlns:p14="http://schemas.microsoft.com/office/powerpoint/2010/main" val="3401026396"/>
       </p:ext>
     </p:extLst>
   </p:cSld>
@@ -3851,18 +3846,8 @@
             </a:pPr>
             <a:r>
               <a:rPr lang="en-US" dirty="0"/>
-              <a:t>Type Checking</a:t>
-            </a:r>
-          </a:p>
-          <a:p>
-            <a:pPr marL="0" indent="0" algn="ctr">
-              <a:buNone/>
-            </a:pPr>
-            <a:r>
-              <a:rPr lang="en-US" sz="2000" dirty="0" err="1"/>
-              <a:t>TypeScript</a:t>
-            </a:r>
-            <a:endParaRPr lang="en-US" sz="2000" dirty="0"/>
+              <a:t>Thriving Community</a:t>
+            </a:r>
           </a:p>
           <a:p>
             <a:pPr marL="0" indent="0" algn="ctr">
@@ -3870,18 +3855,26 @@
             </a:pPr>
             <a:r>
               <a:rPr lang="en-US" sz="2000" dirty="0"/>
-              <a:t>Flow</a:t>
-            </a:r>
-          </a:p>
-          <a:p>
-            <a:pPr marL="0" indent="0" algn="ctr">
-              <a:buNone/>
-            </a:pPr>
-            <a:r>
-              <a:rPr lang="en-US" sz="2000" dirty="0" err="1"/>
-              <a:t>PropTypes</a:t>
-            </a:r>
-            <a:endParaRPr lang="en-US" sz="2000" dirty="0"/>
+              <a:t>Backing by Facebook and huge community support</a:t>
+            </a:r>
+          </a:p>
+          <a:p>
+            <a:pPr marL="0" indent="0" algn="ctr">
+              <a:buNone/>
+            </a:pPr>
+            <a:r>
+              <a:rPr lang="en-US" sz="2000" dirty="0"/>
+              <a:t>3rd Party libraries</a:t>
+            </a:r>
+          </a:p>
+          <a:p>
+            <a:pPr marL="0" indent="0" algn="ctr">
+              <a:buNone/>
+            </a:pPr>
+            <a:r>
+              <a:rPr lang="en-US" sz="2000" dirty="0"/>
+              <a:t>MIT license in React 16</a:t>
+            </a:r>
           </a:p>
           <a:p>
             <a:pPr lvl="1"/>
@@ -3896,7 +3889,7 @@
     </p:spTree>
     <p:extLst>
       <p:ext uri="{BB962C8B-B14F-4D97-AF65-F5344CB8AC3E}">
-        <p14:creationId xmlns:p14="http://schemas.microsoft.com/office/powerpoint/2010/main" val="2577116676"/>
+        <p14:creationId xmlns:p14="http://schemas.microsoft.com/office/powerpoint/2010/main" val="3751227367"/>
       </p:ext>
     </p:extLst>
   </p:cSld>
@@ -3966,8 +3959,18 @@
             </a:pPr>
             <a:r>
               <a:rPr lang="en-US" dirty="0"/>
-              <a:t>Server Side rendering</a:t>
-            </a:r>
+              <a:t>Type Checking</a:t>
+            </a:r>
+          </a:p>
+          <a:p>
+            <a:pPr marL="0" indent="0" algn="ctr">
+              <a:buNone/>
+            </a:pPr>
+            <a:r>
+              <a:rPr lang="en-US" sz="2000" dirty="0" err="1"/>
+              <a:t>TypeScript</a:t>
+            </a:r>
+            <a:endParaRPr lang="en-US" sz="2000" dirty="0"/>
           </a:p>
           <a:p>
             <a:pPr marL="0" indent="0" algn="ctr">
@@ -3975,26 +3978,21 @@
             </a:pPr>
             <a:r>
               <a:rPr lang="en-US" sz="2000" dirty="0"/>
-              <a:t>SEO</a:t>
-            </a:r>
-          </a:p>
-          <a:p>
-            <a:pPr marL="0" indent="0" algn="ctr">
-              <a:buNone/>
-            </a:pPr>
-            <a:r>
-              <a:rPr lang="en-US" sz="2000" dirty="0"/>
-              <a:t>First Meaningful Paint</a:t>
-            </a:r>
-          </a:p>
-          <a:p>
-            <a:pPr marL="0" indent="0" algn="ctr">
-              <a:buNone/>
-            </a:pPr>
-            <a:r>
-              <a:rPr lang="en-US" sz="2000" dirty="0"/>
-              <a:t>Supported by React from very early on</a:t>
-            </a:r>
+              <a:t>Flow</a:t>
+            </a:r>
+          </a:p>
+          <a:p>
+            <a:pPr marL="0" indent="0" algn="ctr">
+              <a:buNone/>
+            </a:pPr>
+            <a:r>
+              <a:rPr lang="en-US" sz="2000" dirty="0" err="1"/>
+              <a:t>PropTypes</a:t>
+            </a:r>
+            <a:endParaRPr lang="en-US" sz="2000" dirty="0"/>
+          </a:p>
+          <a:p>
+            <a:pPr lvl="1"/>
             <a:endParaRPr lang="en-US" dirty="0"/>
           </a:p>
           <a:p>
@@ -4006,7 +4004,7 @@
     </p:spTree>
     <p:extLst>
       <p:ext uri="{BB962C8B-B14F-4D97-AF65-F5344CB8AC3E}">
-        <p14:creationId xmlns:p14="http://schemas.microsoft.com/office/powerpoint/2010/main" val="2216651741"/>
+        <p14:creationId xmlns:p14="http://schemas.microsoft.com/office/powerpoint/2010/main" val="2577116676"/>
       </p:ext>
     </p:extLst>
   </p:cSld>
@@ -4076,6 +4074,116 @@
             </a:pPr>
             <a:r>
               <a:rPr lang="en-US" dirty="0"/>
+              <a:t>Server Side rendering</a:t>
+            </a:r>
+          </a:p>
+          <a:p>
+            <a:pPr marL="0" indent="0" algn="ctr">
+              <a:buNone/>
+            </a:pPr>
+            <a:r>
+              <a:rPr lang="en-US" sz="2000" dirty="0"/>
+              <a:t>SEO</a:t>
+            </a:r>
+          </a:p>
+          <a:p>
+            <a:pPr marL="0" indent="0" algn="ctr">
+              <a:buNone/>
+            </a:pPr>
+            <a:r>
+              <a:rPr lang="en-US" sz="2000" dirty="0"/>
+              <a:t>First Meaningful Paint</a:t>
+            </a:r>
+          </a:p>
+          <a:p>
+            <a:pPr marL="0" indent="0" algn="ctr">
+              <a:buNone/>
+            </a:pPr>
+            <a:r>
+              <a:rPr lang="en-US" sz="2000" dirty="0"/>
+              <a:t>Supported by React from very early on</a:t>
+            </a:r>
+            <a:endParaRPr lang="en-US" dirty="0"/>
+          </a:p>
+          <a:p>
+            <a:pPr lvl="1"/>
+            <a:endParaRPr lang="en-US" dirty="0"/>
+          </a:p>
+        </p:txBody>
+      </p:sp>
+    </p:spTree>
+    <p:extLst>
+      <p:ext uri="{BB962C8B-B14F-4D97-AF65-F5344CB8AC3E}">
+        <p14:creationId xmlns:p14="http://schemas.microsoft.com/office/powerpoint/2010/main" val="2216651741"/>
+      </p:ext>
+    </p:extLst>
+  </p:cSld>
+  <p:clrMapOvr>
+    <a:masterClrMapping/>
+  </p:clrMapOvr>
+</p:sld>
+</file>
+
+<file path=ppt/slides/slide14.xml><?xml version="1.0" encoding="utf-8"?>
+<p:sld xmlns:a="http://schemas.openxmlformats.org/drawingml/2006/main" xmlns:r="http://schemas.openxmlformats.org/officeDocument/2006/relationships" xmlns:p="http://schemas.openxmlformats.org/presentationml/2006/main">
+  <p:cSld>
+    <p:spTree>
+      <p:nvGrpSpPr>
+        <p:cNvPr id="1" name=""/>
+        <p:cNvGrpSpPr/>
+        <p:nvPr/>
+      </p:nvGrpSpPr>
+      <p:grpSpPr>
+        <a:xfrm>
+          <a:off x="0" y="0"/>
+          <a:ext cx="0" cy="0"/>
+          <a:chOff x="0" y="0"/>
+          <a:chExt cx="0" cy="0"/>
+        </a:xfrm>
+      </p:grpSpPr>
+      <p:sp>
+        <p:nvSpPr>
+          <p:cNvPr id="3" name="Content Placeholder 2"/>
+          <p:cNvSpPr>
+            <a:spLocks noGrp="1"/>
+          </p:cNvSpPr>
+          <p:nvPr>
+            <p:ph idx="1"/>
+          </p:nvPr>
+        </p:nvSpPr>
+        <p:spPr>
+          <a:xfrm>
+            <a:off x="728785" y="1161318"/>
+            <a:ext cx="10515600" cy="4351338"/>
+          </a:xfrm>
+        </p:spPr>
+        <p:txBody>
+          <a:bodyPr/>
+          <a:lstStyle/>
+          <a:p>
+            <a:pPr marL="0" indent="0" algn="ctr">
+              <a:buNone/>
+            </a:pPr>
+            <a:endParaRPr lang="en-US" dirty="0"/>
+          </a:p>
+          <a:p>
+            <a:pPr marL="0" indent="0" algn="ctr">
+              <a:buNone/>
+            </a:pPr>
+            <a:endParaRPr lang="en-US" dirty="0"/>
+          </a:p>
+          <a:p>
+            <a:pPr marL="0" indent="0" algn="ctr">
+              <a:buNone/>
+            </a:pPr>
+            <a:endParaRPr lang="en-US" dirty="0"/>
+          </a:p>
+          <a:p>
+            <a:pPr marL="0" indent="0" algn="ctr">
+              <a:buNone/>
+            </a:pPr>
+            <a:r>
+              <a:rPr lang="en-US" dirty="0"/>
               <a:t>Flux/Redux</a:t>
             </a:r>
           </a:p>
@@ -4129,7 +4237,7 @@
 </p:sld>
 </file>
 
-<file path=ppt/slides/slide14.xml><?xml version="1.0" encoding="utf-8"?>
+<file path=ppt/slides/slide15.xml><?xml version="1.0" encoding="utf-8"?>
 <p:sld xmlns:a="http://schemas.openxmlformats.org/drawingml/2006/main" xmlns:r="http://schemas.openxmlformats.org/officeDocument/2006/relationships" xmlns:p="http://schemas.openxmlformats.org/presentationml/2006/main">
   <p:cSld>
     <p:bg>
@@ -4198,92 +4306,6 @@
 </p:sld>
 </file>
 
-<file path=ppt/slides/slide15.xml><?xml version="1.0" encoding="utf-8"?>
-<p:sld xmlns:a="http://schemas.openxmlformats.org/drawingml/2006/main" xmlns:r="http://schemas.openxmlformats.org/officeDocument/2006/relationships" xmlns:p="http://schemas.openxmlformats.org/presentationml/2006/main">
-  <p:cSld>
-    <p:spTree>
-      <p:nvGrpSpPr>
-        <p:cNvPr id="1" name=""/>
-        <p:cNvGrpSpPr/>
-        <p:nvPr/>
-      </p:nvGrpSpPr>
-      <p:grpSpPr>
-        <a:xfrm>
-          <a:off x="0" y="0"/>
-          <a:ext cx="0" cy="0"/>
-          <a:chOff x="0" y="0"/>
-          <a:chExt cx="0" cy="0"/>
-        </a:xfrm>
-      </p:grpSpPr>
-      <p:sp>
-        <p:nvSpPr>
-          <p:cNvPr id="3" name="Content Placeholder 2"/>
-          <p:cNvSpPr>
-            <a:spLocks noGrp="1"/>
-          </p:cNvSpPr>
-          <p:nvPr>
-            <p:ph idx="1"/>
-          </p:nvPr>
-        </p:nvSpPr>
-        <p:spPr>
-          <a:xfrm>
-            <a:off x="728785" y="1161318"/>
-            <a:ext cx="10515600" cy="4351338"/>
-          </a:xfrm>
-        </p:spPr>
-        <p:txBody>
-          <a:bodyPr/>
-          <a:lstStyle/>
-          <a:p>
-            <a:pPr marL="0" indent="0" algn="ctr">
-              <a:buNone/>
-            </a:pPr>
-            <a:endParaRPr lang="en-US" dirty="0"/>
-          </a:p>
-          <a:p>
-            <a:pPr marL="0" indent="0" algn="ctr">
-              <a:buNone/>
-            </a:pPr>
-            <a:endParaRPr lang="en-US" dirty="0"/>
-          </a:p>
-          <a:p>
-            <a:pPr marL="0" indent="0" algn="ctr">
-              <a:buNone/>
-            </a:pPr>
-            <a:endParaRPr lang="en-US" dirty="0"/>
-          </a:p>
-          <a:p>
-            <a:pPr marL="0" indent="0" algn="ctr">
-              <a:buNone/>
-            </a:pPr>
-            <a:r>
-              <a:rPr lang="en-US" dirty="0"/>
-              <a:t>Hello World</a:t>
-            </a:r>
-          </a:p>
-          <a:p>
-            <a:pPr lvl="1"/>
-            <a:endParaRPr lang="en-US" dirty="0"/>
-          </a:p>
-          <a:p>
-            <a:pPr lvl="1"/>
-            <a:endParaRPr lang="en-US" dirty="0"/>
-          </a:p>
-        </p:txBody>
-      </p:sp>
-    </p:spTree>
-    <p:extLst>
-      <p:ext uri="{BB962C8B-B14F-4D97-AF65-F5344CB8AC3E}">
-        <p14:creationId xmlns:p14="http://schemas.microsoft.com/office/powerpoint/2010/main" val="4135806857"/>
-      </p:ext>
-    </p:extLst>
-  </p:cSld>
-  <p:clrMapOvr>
-    <a:masterClrMapping/>
-  </p:clrMapOvr>
-</p:sld>
-</file>
-
 <file path=ppt/slides/slide16.xml><?xml version="1.0" encoding="utf-8"?>
 <p:sld xmlns:a="http://schemas.openxmlformats.org/drawingml/2006/main" xmlns:r="http://schemas.openxmlformats.org/officeDocument/2006/relationships" xmlns:p="http://schemas.openxmlformats.org/presentationml/2006/main">
   <p:cSld>
@@ -4344,7 +4366,7 @@
             </a:pPr>
             <a:r>
               <a:rPr lang="en-US" dirty="0"/>
-              <a:t>React Elements</a:t>
+              <a:t>Hello World</a:t>
             </a:r>
           </a:p>
           <a:p>
@@ -4360,7 +4382,7 @@
     </p:spTree>
     <p:extLst>
       <p:ext uri="{BB962C8B-B14F-4D97-AF65-F5344CB8AC3E}">
-        <p14:creationId xmlns:p14="http://schemas.microsoft.com/office/powerpoint/2010/main" val="3514718756"/>
+        <p14:creationId xmlns:p14="http://schemas.microsoft.com/office/powerpoint/2010/main" val="4135806857"/>
       </p:ext>
     </p:extLst>
   </p:cSld>
@@ -4430,11 +4452,24 @@
             </a:pPr>
             <a:r>
               <a:rPr lang="en-US" dirty="0"/>
-              <a:t>React Elements with Dynamic data</a:t>
-            </a:r>
-          </a:p>
-          <a:p>
-            <a:pPr lvl="1"/>
+              <a:t>https://</a:t>
+            </a:r>
+            <a:r>
+              <a:rPr lang="en-US" dirty="0" err="1"/>
+              <a:t>github.com</a:t>
+            </a:r>
+            <a:r>
+              <a:rPr lang="en-US" dirty="0"/>
+              <a:t>/</a:t>
+            </a:r>
+            <a:r>
+              <a:rPr lang="en-US" dirty="0" err="1"/>
+              <a:t>souvikbasu</a:t>
+            </a:r>
+            <a:r>
+              <a:rPr lang="en-US"/>
+              <a:t>/react-training</a:t>
+            </a:r>
             <a:endParaRPr lang="en-US" dirty="0"/>
           </a:p>
           <a:p>
@@ -4446,7 +4481,7 @@
     </p:spTree>
     <p:extLst>
       <p:ext uri="{BB962C8B-B14F-4D97-AF65-F5344CB8AC3E}">
-        <p14:creationId xmlns:p14="http://schemas.microsoft.com/office/powerpoint/2010/main" val="503245854"/>
+        <p14:creationId xmlns:p14="http://schemas.microsoft.com/office/powerpoint/2010/main" val="91125048"/>
       </p:ext>
     </p:extLst>
   </p:cSld>
@@ -4516,7 +4551,7 @@
             </a:pPr>
             <a:r>
               <a:rPr lang="en-US" dirty="0"/>
-              <a:t>React Component</a:t>
+              <a:t>React Elements</a:t>
             </a:r>
           </a:p>
           <a:p>
@@ -4532,7 +4567,7 @@
     </p:spTree>
     <p:extLst>
       <p:ext uri="{BB962C8B-B14F-4D97-AF65-F5344CB8AC3E}">
-        <p14:creationId xmlns:p14="http://schemas.microsoft.com/office/powerpoint/2010/main" val="3458357186"/>
+        <p14:creationId xmlns:p14="http://schemas.microsoft.com/office/powerpoint/2010/main" val="3514718756"/>
       </p:ext>
     </p:extLst>
   </p:cSld>
@@ -4602,7 +4637,7 @@
             </a:pPr>
             <a:r>
               <a:rPr lang="en-US" dirty="0"/>
-              <a:t>Create React App CLI</a:t>
+              <a:t>React Elements with Dynamic data</a:t>
             </a:r>
           </a:p>
           <a:p>
@@ -4618,7 +4653,7 @@
     </p:spTree>
     <p:extLst>
       <p:ext uri="{BB962C8B-B14F-4D97-AF65-F5344CB8AC3E}">
-        <p14:creationId xmlns:p14="http://schemas.microsoft.com/office/powerpoint/2010/main" val="2397843410"/>
+        <p14:creationId xmlns:p14="http://schemas.microsoft.com/office/powerpoint/2010/main" val="503245854"/>
       </p:ext>
     </p:extLst>
   </p:cSld>
@@ -5189,7 +5224,7 @@
             </a:pPr>
             <a:r>
               <a:rPr lang="en-US" dirty="0"/>
-              <a:t>React Component with Props</a:t>
+              <a:t>React Component</a:t>
             </a:r>
           </a:p>
           <a:p>
@@ -5205,7 +5240,7 @@
     </p:spTree>
     <p:extLst>
       <p:ext uri="{BB962C8B-B14F-4D97-AF65-F5344CB8AC3E}">
-        <p14:creationId xmlns:p14="http://schemas.microsoft.com/office/powerpoint/2010/main" val="1271002495"/>
+        <p14:creationId xmlns:p14="http://schemas.microsoft.com/office/powerpoint/2010/main" val="3458357186"/>
       </p:ext>
     </p:extLst>
   </p:cSld>
@@ -5275,7 +5310,7 @@
             </a:pPr>
             <a:r>
               <a:rPr lang="en-US" dirty="0"/>
-              <a:t>React Component with State</a:t>
+              <a:t>Create React App CLI</a:t>
             </a:r>
           </a:p>
           <a:p>
@@ -5291,7 +5326,7 @@
     </p:spTree>
     <p:extLst>
       <p:ext uri="{BB962C8B-B14F-4D97-AF65-F5344CB8AC3E}">
-        <p14:creationId xmlns:p14="http://schemas.microsoft.com/office/powerpoint/2010/main" val="2096625840"/>
+        <p14:creationId xmlns:p14="http://schemas.microsoft.com/office/powerpoint/2010/main" val="2397843410"/>
       </p:ext>
     </p:extLst>
   </p:cSld>
@@ -5361,7 +5396,7 @@
             </a:pPr>
             <a:r>
               <a:rPr lang="en-US" dirty="0"/>
-              <a:t>React Component Styling</a:t>
+              <a:t>React Component with Props</a:t>
             </a:r>
           </a:p>
           <a:p>
@@ -5377,7 +5412,7 @@
     </p:spTree>
     <p:extLst>
       <p:ext uri="{BB962C8B-B14F-4D97-AF65-F5344CB8AC3E}">
-        <p14:creationId xmlns:p14="http://schemas.microsoft.com/office/powerpoint/2010/main" val="1337815421"/>
+        <p14:creationId xmlns:p14="http://schemas.microsoft.com/office/powerpoint/2010/main" val="1271002495"/>
       </p:ext>
     </p:extLst>
   </p:cSld>
@@ -5447,7 +5482,7 @@
             </a:pPr>
             <a:r>
               <a:rPr lang="en-US" dirty="0"/>
-              <a:t>Event Handling</a:t>
+              <a:t>React Component with State</a:t>
             </a:r>
           </a:p>
           <a:p>
@@ -5463,7 +5498,7 @@
     </p:spTree>
     <p:extLst>
       <p:ext uri="{BB962C8B-B14F-4D97-AF65-F5344CB8AC3E}">
-        <p14:creationId xmlns:p14="http://schemas.microsoft.com/office/powerpoint/2010/main" val="3050293559"/>
+        <p14:creationId xmlns:p14="http://schemas.microsoft.com/office/powerpoint/2010/main" val="2096625840"/>
       </p:ext>
     </p:extLst>
   </p:cSld>
@@ -5533,6 +5568,178 @@
             </a:pPr>
             <a:r>
               <a:rPr lang="en-US" dirty="0"/>
+              <a:t>React Component Styling</a:t>
+            </a:r>
+          </a:p>
+          <a:p>
+            <a:pPr lvl="1"/>
+            <a:endParaRPr lang="en-US" dirty="0"/>
+          </a:p>
+          <a:p>
+            <a:pPr lvl="1"/>
+            <a:endParaRPr lang="en-US" dirty="0"/>
+          </a:p>
+        </p:txBody>
+      </p:sp>
+    </p:spTree>
+    <p:extLst>
+      <p:ext uri="{BB962C8B-B14F-4D97-AF65-F5344CB8AC3E}">
+        <p14:creationId xmlns:p14="http://schemas.microsoft.com/office/powerpoint/2010/main" val="1337815421"/>
+      </p:ext>
+    </p:extLst>
+  </p:cSld>
+  <p:clrMapOvr>
+    <a:masterClrMapping/>
+  </p:clrMapOvr>
+</p:sld>
+</file>
+
+<file path=ppt/slides/slide25.xml><?xml version="1.0" encoding="utf-8"?>
+<p:sld xmlns:a="http://schemas.openxmlformats.org/drawingml/2006/main" xmlns:r="http://schemas.openxmlformats.org/officeDocument/2006/relationships" xmlns:p="http://schemas.openxmlformats.org/presentationml/2006/main">
+  <p:cSld>
+    <p:spTree>
+      <p:nvGrpSpPr>
+        <p:cNvPr id="1" name=""/>
+        <p:cNvGrpSpPr/>
+        <p:nvPr/>
+      </p:nvGrpSpPr>
+      <p:grpSpPr>
+        <a:xfrm>
+          <a:off x="0" y="0"/>
+          <a:ext cx="0" cy="0"/>
+          <a:chOff x="0" y="0"/>
+          <a:chExt cx="0" cy="0"/>
+        </a:xfrm>
+      </p:grpSpPr>
+      <p:sp>
+        <p:nvSpPr>
+          <p:cNvPr id="3" name="Content Placeholder 2"/>
+          <p:cNvSpPr>
+            <a:spLocks noGrp="1"/>
+          </p:cNvSpPr>
+          <p:nvPr>
+            <p:ph idx="1"/>
+          </p:nvPr>
+        </p:nvSpPr>
+        <p:spPr>
+          <a:xfrm>
+            <a:off x="728785" y="1161318"/>
+            <a:ext cx="10515600" cy="4351338"/>
+          </a:xfrm>
+        </p:spPr>
+        <p:txBody>
+          <a:bodyPr/>
+          <a:lstStyle/>
+          <a:p>
+            <a:pPr marL="0" indent="0" algn="ctr">
+              <a:buNone/>
+            </a:pPr>
+            <a:endParaRPr lang="en-US" dirty="0"/>
+          </a:p>
+          <a:p>
+            <a:pPr marL="0" indent="0" algn="ctr">
+              <a:buNone/>
+            </a:pPr>
+            <a:endParaRPr lang="en-US" dirty="0"/>
+          </a:p>
+          <a:p>
+            <a:pPr marL="0" indent="0" algn="ctr">
+              <a:buNone/>
+            </a:pPr>
+            <a:endParaRPr lang="en-US" dirty="0"/>
+          </a:p>
+          <a:p>
+            <a:pPr marL="0" indent="0" algn="ctr">
+              <a:buNone/>
+            </a:pPr>
+            <a:r>
+              <a:rPr lang="en-US" dirty="0"/>
+              <a:t>Event Handling</a:t>
+            </a:r>
+          </a:p>
+          <a:p>
+            <a:pPr lvl="1"/>
+            <a:endParaRPr lang="en-US" dirty="0"/>
+          </a:p>
+          <a:p>
+            <a:pPr lvl="1"/>
+            <a:endParaRPr lang="en-US" dirty="0"/>
+          </a:p>
+        </p:txBody>
+      </p:sp>
+    </p:spTree>
+    <p:extLst>
+      <p:ext uri="{BB962C8B-B14F-4D97-AF65-F5344CB8AC3E}">
+        <p14:creationId xmlns:p14="http://schemas.microsoft.com/office/powerpoint/2010/main" val="3050293559"/>
+      </p:ext>
+    </p:extLst>
+  </p:cSld>
+  <p:clrMapOvr>
+    <a:masterClrMapping/>
+  </p:clrMapOvr>
+</p:sld>
+</file>
+
+<file path=ppt/slides/slide26.xml><?xml version="1.0" encoding="utf-8"?>
+<p:sld xmlns:a="http://schemas.openxmlformats.org/drawingml/2006/main" xmlns:r="http://schemas.openxmlformats.org/officeDocument/2006/relationships" xmlns:p="http://schemas.openxmlformats.org/presentationml/2006/main">
+  <p:cSld>
+    <p:spTree>
+      <p:nvGrpSpPr>
+        <p:cNvPr id="1" name=""/>
+        <p:cNvGrpSpPr/>
+        <p:nvPr/>
+      </p:nvGrpSpPr>
+      <p:grpSpPr>
+        <a:xfrm>
+          <a:off x="0" y="0"/>
+          <a:ext cx="0" cy="0"/>
+          <a:chOff x="0" y="0"/>
+          <a:chExt cx="0" cy="0"/>
+        </a:xfrm>
+      </p:grpSpPr>
+      <p:sp>
+        <p:nvSpPr>
+          <p:cNvPr id="3" name="Content Placeholder 2"/>
+          <p:cNvSpPr>
+            <a:spLocks noGrp="1"/>
+          </p:cNvSpPr>
+          <p:nvPr>
+            <p:ph idx="1"/>
+          </p:nvPr>
+        </p:nvSpPr>
+        <p:spPr>
+          <a:xfrm>
+            <a:off x="728785" y="1161318"/>
+            <a:ext cx="10515600" cy="4351338"/>
+          </a:xfrm>
+        </p:spPr>
+        <p:txBody>
+          <a:bodyPr/>
+          <a:lstStyle/>
+          <a:p>
+            <a:pPr marL="0" indent="0" algn="ctr">
+              <a:buNone/>
+            </a:pPr>
+            <a:endParaRPr lang="en-US" dirty="0"/>
+          </a:p>
+          <a:p>
+            <a:pPr marL="0" indent="0" algn="ctr">
+              <a:buNone/>
+            </a:pPr>
+            <a:endParaRPr lang="en-US" dirty="0"/>
+          </a:p>
+          <a:p>
+            <a:pPr marL="0" indent="0" algn="ctr">
+              <a:buNone/>
+            </a:pPr>
+            <a:endParaRPr lang="en-US" dirty="0"/>
+          </a:p>
+          <a:p>
+            <a:pPr marL="0" indent="0" algn="ctr">
+              <a:buNone/>
+            </a:pPr>
+            <a:r>
+              <a:rPr lang="en-US" dirty="0"/>
               <a:t>List and Keys</a:t>
             </a:r>
           </a:p>
@@ -5550,6 +5757,107 @@
     <p:extLst>
       <p:ext uri="{BB962C8B-B14F-4D97-AF65-F5344CB8AC3E}">
         <p14:creationId xmlns:p14="http://schemas.microsoft.com/office/powerpoint/2010/main" val="1877075187"/>
+      </p:ext>
+    </p:extLst>
+  </p:cSld>
+  <p:clrMapOvr>
+    <a:masterClrMapping/>
+  </p:clrMapOvr>
+</p:sld>
+</file>
+
+<file path=ppt/slides/slide27.xml><?xml version="1.0" encoding="utf-8"?>
+<p:sld xmlns:a="http://schemas.openxmlformats.org/drawingml/2006/main" xmlns:r="http://schemas.openxmlformats.org/officeDocument/2006/relationships" xmlns:p="http://schemas.openxmlformats.org/presentationml/2006/main">
+  <p:cSld>
+    <p:spTree>
+      <p:nvGrpSpPr>
+        <p:cNvPr id="1" name=""/>
+        <p:cNvGrpSpPr/>
+        <p:nvPr/>
+      </p:nvGrpSpPr>
+      <p:grpSpPr>
+        <a:xfrm>
+          <a:off x="0" y="0"/>
+          <a:ext cx="0" cy="0"/>
+          <a:chOff x="0" y="0"/>
+          <a:chExt cx="0" cy="0"/>
+        </a:xfrm>
+      </p:grpSpPr>
+      <p:sp>
+        <p:nvSpPr>
+          <p:cNvPr id="2" name="Title 1">
+            <a:extLst>
+              <a:ext uri="{FF2B5EF4-FFF2-40B4-BE49-F238E27FC236}">
+                <a16:creationId xmlns:a16="http://schemas.microsoft.com/office/drawing/2014/main" id="{82B2364F-082B-0D4A-873E-11367336F956}"/>
+              </a:ext>
+            </a:extLst>
+          </p:cNvPr>
+          <p:cNvSpPr>
+            <a:spLocks noGrp="1"/>
+          </p:cNvSpPr>
+          <p:nvPr>
+            <p:ph type="title"/>
+          </p:nvPr>
+        </p:nvSpPr>
+        <p:spPr/>
+        <p:txBody>
+          <a:bodyPr/>
+          <a:lstStyle/>
+          <a:p>
+            <a:r>
+              <a:rPr lang="en-US" dirty="0"/>
+              <a:t>React Principles</a:t>
+            </a:r>
+          </a:p>
+        </p:txBody>
+      </p:sp>
+      <p:sp>
+        <p:nvSpPr>
+          <p:cNvPr id="3" name="Content Placeholder 2">
+            <a:extLst>
+              <a:ext uri="{FF2B5EF4-FFF2-40B4-BE49-F238E27FC236}">
+                <a16:creationId xmlns:a16="http://schemas.microsoft.com/office/drawing/2014/main" id="{4159642B-CC3E-324E-979B-EA2E45BBC93B}"/>
+              </a:ext>
+            </a:extLst>
+          </p:cNvPr>
+          <p:cNvSpPr>
+            <a:spLocks noGrp="1"/>
+          </p:cNvSpPr>
+          <p:nvPr>
+            <p:ph idx="1"/>
+          </p:nvPr>
+        </p:nvSpPr>
+        <p:spPr/>
+        <p:txBody>
+          <a:bodyPr/>
+          <a:lstStyle/>
+          <a:p>
+            <a:r>
+              <a:rPr lang="en-US" dirty="0"/>
+              <a:t>Declarative</a:t>
+            </a:r>
+          </a:p>
+          <a:p>
+            <a:r>
+              <a:rPr lang="en-US" dirty="0"/>
+              <a:t>Component Based</a:t>
+            </a:r>
+          </a:p>
+          <a:p>
+            <a:r>
+              <a:rPr lang="en-US" dirty="0"/>
+              <a:t>Learn Once, Write Anywhere</a:t>
+            </a:r>
+          </a:p>
+          <a:p>
+            <a:endParaRPr lang="en-US" dirty="0"/>
+          </a:p>
+        </p:txBody>
+      </p:sp>
+    </p:spTree>
+    <p:extLst>
+      <p:ext uri="{BB962C8B-B14F-4D97-AF65-F5344CB8AC3E}">
+        <p14:creationId xmlns:p14="http://schemas.microsoft.com/office/powerpoint/2010/main" val="1425508805"/>
       </p:ext>
     </p:extLst>
   </p:cSld>
@@ -7045,7 +7353,41 @@
       </p:grpSpPr>
       <p:sp>
         <p:nvSpPr>
-          <p:cNvPr id="3" name="Content Placeholder 2"/>
+          <p:cNvPr id="2" name="Title 1">
+            <a:extLst>
+              <a:ext uri="{FF2B5EF4-FFF2-40B4-BE49-F238E27FC236}">
+                <a16:creationId xmlns:a16="http://schemas.microsoft.com/office/drawing/2014/main" id="{66EDBAAC-3E08-524D-8039-27F22ABCCF40}"/>
+              </a:ext>
+            </a:extLst>
+          </p:cNvPr>
+          <p:cNvSpPr>
+            <a:spLocks noGrp="1"/>
+          </p:cNvSpPr>
+          <p:nvPr>
+            <p:ph type="title"/>
+          </p:nvPr>
+        </p:nvSpPr>
+        <p:spPr/>
+        <p:txBody>
+          <a:bodyPr/>
+          <a:lstStyle/>
+          <a:p>
+            <a:r>
+              <a:rPr lang="en-US" dirty="0"/>
+              <a:t>How DOM is rendered</a:t>
+            </a:r>
+          </a:p>
+        </p:txBody>
+      </p:sp>
+      <p:sp>
+        <p:nvSpPr>
+          <p:cNvPr id="3" name="Content Placeholder 2">
+            <a:extLst>
+              <a:ext uri="{FF2B5EF4-FFF2-40B4-BE49-F238E27FC236}">
+                <a16:creationId xmlns:a16="http://schemas.microsoft.com/office/drawing/2014/main" id="{C65C0596-4391-9142-B42B-258711078532}"/>
+              </a:ext>
+            </a:extLst>
+          </p:cNvPr>
           <p:cNvSpPr>
             <a:spLocks noGrp="1"/>
           </p:cNvSpPr>
@@ -7053,76 +7395,49 @@
             <p:ph idx="1"/>
           </p:nvPr>
         </p:nvSpPr>
-        <p:spPr>
-          <a:xfrm>
-            <a:off x="728785" y="1161318"/>
-            <a:ext cx="10515600" cy="4351338"/>
-          </a:xfrm>
-        </p:spPr>
+        <p:spPr/>
         <p:txBody>
           <a:bodyPr/>
           <a:lstStyle/>
           <a:p>
-            <a:pPr marL="0" indent="0" algn="ctr">
-              <a:buNone/>
-            </a:pPr>
-            <a:endParaRPr lang="en-US" dirty="0"/>
-          </a:p>
-          <a:p>
-            <a:pPr marL="0" indent="0" algn="ctr">
-              <a:buNone/>
-            </a:pPr>
-            <a:endParaRPr lang="en-US" dirty="0"/>
-          </a:p>
-          <a:p>
-            <a:pPr marL="0" indent="0" algn="ctr">
-              <a:buNone/>
-            </a:pPr>
-            <a:endParaRPr lang="en-US" dirty="0"/>
-          </a:p>
-          <a:p>
-            <a:pPr marL="0" indent="0" algn="ctr">
-              <a:buNone/>
-            </a:pPr>
-            <a:r>
-              <a:rPr lang="en-US" dirty="0"/>
-              <a:t>Immutability</a:t>
-            </a:r>
-          </a:p>
-          <a:p>
-            <a:pPr marL="0" indent="0" algn="ctr">
-              <a:buNone/>
-            </a:pPr>
-            <a:r>
-              <a:rPr lang="en-US" sz="2000" dirty="0"/>
-              <a:t>Handling app complexity</a:t>
-            </a:r>
-          </a:p>
-          <a:p>
-            <a:pPr marL="0" indent="0" algn="ctr">
-              <a:buNone/>
-            </a:pPr>
-            <a:r>
-              <a:rPr lang="en-US" sz="2000" dirty="0"/>
-              <a:t>Improving Performance</a:t>
-            </a:r>
-          </a:p>
-          <a:p>
-            <a:pPr marL="0" indent="0" algn="ctr">
-              <a:buNone/>
-            </a:pPr>
-            <a:endParaRPr lang="en-US" sz="2000" dirty="0"/>
-          </a:p>
-          <a:p>
-            <a:pPr lvl="1"/>
-            <a:endParaRPr lang="en-US" dirty="0"/>
-          </a:p>
-        </p:txBody>
-      </p:sp>
+            <a:endParaRPr lang="en-US"/>
+          </a:p>
+        </p:txBody>
+      </p:sp>
+      <p:pic>
+        <p:nvPicPr>
+          <p:cNvPr id="4" name="Picture 3">
+            <a:extLst>
+              <a:ext uri="{FF2B5EF4-FFF2-40B4-BE49-F238E27FC236}">
+                <a16:creationId xmlns:a16="http://schemas.microsoft.com/office/drawing/2014/main" id="{84E63AF8-B539-6F43-8599-47D1CFFE18CD}"/>
+              </a:ext>
+            </a:extLst>
+          </p:cNvPr>
+          <p:cNvPicPr>
+            <a:picLocks noChangeAspect="1"/>
+          </p:cNvPicPr>
+          <p:nvPr/>
+        </p:nvPicPr>
+        <p:blipFill>
+          <a:blip r:embed="rId2"/>
+          <a:stretch>
+            <a:fillRect/>
+          </a:stretch>
+        </p:blipFill>
+        <p:spPr>
+          <a:xfrm>
+            <a:off x="2440798" y="1948960"/>
+            <a:ext cx="7310403" cy="3357685"/>
+          </a:xfrm>
+          <a:prstGeom prst="rect">
+            <a:avLst/>
+          </a:prstGeom>
+        </p:spPr>
+      </p:pic>
     </p:spTree>
     <p:extLst>
       <p:ext uri="{BB962C8B-B14F-4D97-AF65-F5344CB8AC3E}">
-        <p14:creationId xmlns:p14="http://schemas.microsoft.com/office/powerpoint/2010/main" val="3605586595"/>
+        <p14:creationId xmlns:p14="http://schemas.microsoft.com/office/powerpoint/2010/main" val="1702007993"/>
       </p:ext>
     </p:extLst>
   </p:cSld>
@@ -7192,7 +7507,7 @@
             </a:pPr>
             <a:r>
               <a:rPr lang="en-US" dirty="0"/>
-              <a:t>JSX</a:t>
+              <a:t>Immutability</a:t>
             </a:r>
           </a:p>
           <a:p>
@@ -7201,12 +7516,23 @@
             </a:pPr>
             <a:r>
               <a:rPr lang="en-US" sz="2000" dirty="0"/>
-              <a:t>Abstraction to code on any platform</a:t>
-            </a:r>
-          </a:p>
-          <a:p>
-            <a:pPr lvl="1"/>
-            <a:endParaRPr lang="en-US" dirty="0"/>
+              <a:t>Handling app complexity</a:t>
+            </a:r>
+          </a:p>
+          <a:p>
+            <a:pPr marL="0" indent="0" algn="ctr">
+              <a:buNone/>
+            </a:pPr>
+            <a:r>
+              <a:rPr lang="en-US" sz="2000" dirty="0"/>
+              <a:t>Improving Performance</a:t>
+            </a:r>
+          </a:p>
+          <a:p>
+            <a:pPr marL="0" indent="0" algn="ctr">
+              <a:buNone/>
+            </a:pPr>
+            <a:endParaRPr lang="en-US" sz="2000" dirty="0"/>
           </a:p>
           <a:p>
             <a:pPr lvl="1"/>
@@ -7217,7 +7543,7 @@
     </p:spTree>
     <p:extLst>
       <p:ext uri="{BB962C8B-B14F-4D97-AF65-F5344CB8AC3E}">
-        <p14:creationId xmlns:p14="http://schemas.microsoft.com/office/powerpoint/2010/main" val="2672121238"/>
+        <p14:creationId xmlns:p14="http://schemas.microsoft.com/office/powerpoint/2010/main" val="3605586595"/>
       </p:ext>
     </p:extLst>
   </p:cSld>
@@ -7286,10 +7612,9 @@
               <a:buNone/>
             </a:pPr>
             <a:r>
-              <a:rPr lang="en-US" dirty="0" err="1"/>
-              <a:t>Unopiniated</a:t>
-            </a:r>
-            <a:endParaRPr lang="en-US" dirty="0"/>
+              <a:rPr lang="en-US" dirty="0"/>
+              <a:t>JSX</a:t>
+            </a:r>
           </a:p>
           <a:p>
             <a:pPr marL="0" indent="0" algn="ctr">
@@ -7297,16 +7622,7 @@
             </a:pPr>
             <a:r>
               <a:rPr lang="en-US" sz="2000" dirty="0"/>
-              <a:t>Power to pick and choose modules</a:t>
-            </a:r>
-          </a:p>
-          <a:p>
-            <a:pPr marL="0" indent="0" algn="ctr">
-              <a:buNone/>
-            </a:pPr>
-            <a:r>
-              <a:rPr lang="en-US" sz="2000" dirty="0"/>
-              <a:t>React being just View library</a:t>
+              <a:t>Abstraction to code on any platform</a:t>
             </a:r>
           </a:p>
           <a:p>
@@ -7322,7 +7638,7 @@
     </p:spTree>
     <p:extLst>
       <p:ext uri="{BB962C8B-B14F-4D97-AF65-F5344CB8AC3E}">
-        <p14:creationId xmlns:p14="http://schemas.microsoft.com/office/powerpoint/2010/main" val="3401026396"/>
+        <p14:creationId xmlns:p14="http://schemas.microsoft.com/office/powerpoint/2010/main" val="2672121238"/>
       </p:ext>
     </p:extLst>
   </p:cSld>

--- a/React Training.pptx
+++ b/React Training.pptx
@@ -5,36 +5,37 @@
     <p:sldMasterId id="2147483648" r:id="rId1"/>
   </p:sldMasterIdLst>
   <p:notesMasterIdLst>
-    <p:notesMasterId r:id="rId29"/>
+    <p:notesMasterId r:id="rId30"/>
   </p:notesMasterIdLst>
   <p:sldIdLst>
-    <p:sldId id="256" r:id="rId2"/>
-    <p:sldId id="258" r:id="rId3"/>
-    <p:sldId id="257" r:id="rId4"/>
-    <p:sldId id="308" r:id="rId5"/>
-    <p:sldId id="259" r:id="rId6"/>
-    <p:sldId id="298" r:id="rId7"/>
-    <p:sldId id="321" r:id="rId8"/>
-    <p:sldId id="299" r:id="rId9"/>
-    <p:sldId id="302" r:id="rId10"/>
-    <p:sldId id="303" r:id="rId11"/>
-    <p:sldId id="304" r:id="rId12"/>
-    <p:sldId id="309" r:id="rId13"/>
-    <p:sldId id="300" r:id="rId14"/>
-    <p:sldId id="301" r:id="rId15"/>
-    <p:sldId id="306" r:id="rId16"/>
-    <p:sldId id="310" r:id="rId17"/>
-    <p:sldId id="322" r:id="rId18"/>
-    <p:sldId id="311" r:id="rId19"/>
-    <p:sldId id="312" r:id="rId20"/>
-    <p:sldId id="313" r:id="rId21"/>
-    <p:sldId id="319" r:id="rId22"/>
-    <p:sldId id="314" r:id="rId23"/>
-    <p:sldId id="315" r:id="rId24"/>
-    <p:sldId id="316" r:id="rId25"/>
-    <p:sldId id="317" r:id="rId26"/>
-    <p:sldId id="318" r:id="rId27"/>
-    <p:sldId id="320" r:id="rId28"/>
+    <p:sldId id="323" r:id="rId2"/>
+    <p:sldId id="256" r:id="rId3"/>
+    <p:sldId id="258" r:id="rId4"/>
+    <p:sldId id="257" r:id="rId5"/>
+    <p:sldId id="308" r:id="rId6"/>
+    <p:sldId id="259" r:id="rId7"/>
+    <p:sldId id="298" r:id="rId8"/>
+    <p:sldId id="321" r:id="rId9"/>
+    <p:sldId id="299" r:id="rId10"/>
+    <p:sldId id="302" r:id="rId11"/>
+    <p:sldId id="303" r:id="rId12"/>
+    <p:sldId id="304" r:id="rId13"/>
+    <p:sldId id="309" r:id="rId14"/>
+    <p:sldId id="300" r:id="rId15"/>
+    <p:sldId id="301" r:id="rId16"/>
+    <p:sldId id="306" r:id="rId17"/>
+    <p:sldId id="310" r:id="rId18"/>
+    <p:sldId id="322" r:id="rId19"/>
+    <p:sldId id="311" r:id="rId20"/>
+    <p:sldId id="312" r:id="rId21"/>
+    <p:sldId id="313" r:id="rId22"/>
+    <p:sldId id="319" r:id="rId23"/>
+    <p:sldId id="314" r:id="rId24"/>
+    <p:sldId id="315" r:id="rId25"/>
+    <p:sldId id="316" r:id="rId26"/>
+    <p:sldId id="317" r:id="rId27"/>
+    <p:sldId id="318" r:id="rId28"/>
+    <p:sldId id="320" r:id="rId29"/>
   </p:sldIdLst>
   <p:sldSz cx="12192000" cy="6858000"/>
   <p:notesSz cx="6858000" cy="9144000"/>
@@ -3328,350 +3329,42 @@
       </p:grpSpPr>
       <p:sp>
         <p:nvSpPr>
-          <p:cNvPr id="4" name="Rectangle 3"/>
-          <p:cNvSpPr/>
-          <p:nvPr/>
-        </p:nvSpPr>
-        <p:spPr>
-          <a:xfrm>
-            <a:off x="1680308" y="1375508"/>
-            <a:ext cx="1281723" cy="1016000"/>
-          </a:xfrm>
-          <a:prstGeom prst="rect">
-            <a:avLst/>
-          </a:prstGeom>
-        </p:spPr>
-        <p:style>
-          <a:lnRef idx="2">
-            <a:schemeClr val="accent1">
-              <a:shade val="50000"/>
-            </a:schemeClr>
-          </a:lnRef>
-          <a:fillRef idx="1">
-            <a:schemeClr val="accent1"/>
-          </a:fillRef>
-          <a:effectRef idx="0">
-            <a:schemeClr val="accent1"/>
-          </a:effectRef>
-          <a:fontRef idx="minor">
-            <a:schemeClr val="lt1"/>
-          </a:fontRef>
-        </p:style>
-        <p:txBody>
-          <a:bodyPr rtlCol="0" anchor="ctr"/>
+          <p:cNvPr id="2" name="Title 1">
+            <a:extLst>
+              <a:ext uri="{FF2B5EF4-FFF2-40B4-BE49-F238E27FC236}">
+                <a16:creationId xmlns:a16="http://schemas.microsoft.com/office/drawing/2014/main" id="{736563CF-EE65-5F4D-A8F6-B8EB45526FC0}"/>
+              </a:ext>
+            </a:extLst>
+          </p:cNvPr>
+          <p:cNvSpPr>
+            <a:spLocks noGrp="1"/>
+          </p:cNvSpPr>
+          <p:nvPr>
+            <p:ph type="title"/>
+          </p:nvPr>
+        </p:nvSpPr>
+        <p:spPr>
+          <a:xfrm>
+            <a:off x="689918" y="2478131"/>
+            <a:ext cx="10515600" cy="1325563"/>
+          </a:xfrm>
+        </p:spPr>
+        <p:txBody>
+          <a:bodyPr/>
           <a:lstStyle/>
           <a:p>
             <a:pPr algn="ctr"/>
             <a:r>
               <a:rPr lang="en-US" dirty="0"/>
-              <a:t>Browser</a:t>
-            </a:r>
-          </a:p>
-        </p:txBody>
-      </p:sp>
-      <p:sp>
-        <p:nvSpPr>
-          <p:cNvPr id="5" name="Rectangle 4"/>
-          <p:cNvSpPr/>
-          <p:nvPr/>
-        </p:nvSpPr>
-        <p:spPr>
-          <a:xfrm>
-            <a:off x="8096738" y="1340338"/>
-            <a:ext cx="1445847" cy="1086339"/>
-          </a:xfrm>
-          <a:prstGeom prst="rect">
-            <a:avLst/>
-          </a:prstGeom>
-        </p:spPr>
-        <p:style>
-          <a:lnRef idx="2">
-            <a:schemeClr val="accent1">
-              <a:shade val="50000"/>
-            </a:schemeClr>
-          </a:lnRef>
-          <a:fillRef idx="1">
-            <a:schemeClr val="accent1"/>
-          </a:fillRef>
-          <a:effectRef idx="0">
-            <a:schemeClr val="accent1"/>
-          </a:effectRef>
-          <a:fontRef idx="minor">
-            <a:schemeClr val="lt1"/>
-          </a:fontRef>
-        </p:style>
-        <p:txBody>
-          <a:bodyPr rtlCol="0" anchor="ctr"/>
-          <a:lstStyle/>
-          <a:p>
-            <a:pPr algn="ctr"/>
-            <a:r>
-              <a:rPr lang="en-US" dirty="0"/>
-              <a:t>Web Server</a:t>
-            </a:r>
-          </a:p>
-        </p:txBody>
-      </p:sp>
-      <p:sp>
-        <p:nvSpPr>
-          <p:cNvPr id="6" name="Can 5"/>
-          <p:cNvSpPr/>
-          <p:nvPr/>
-        </p:nvSpPr>
-        <p:spPr>
-          <a:xfrm>
-            <a:off x="10582031" y="2133600"/>
-            <a:ext cx="648677" cy="930031"/>
-          </a:xfrm>
-          <a:prstGeom prst="can">
-            <a:avLst/>
-          </a:prstGeom>
-        </p:spPr>
-        <p:style>
-          <a:lnRef idx="2">
-            <a:schemeClr val="accent1">
-              <a:shade val="50000"/>
-            </a:schemeClr>
-          </a:lnRef>
-          <a:fillRef idx="1">
-            <a:schemeClr val="accent1"/>
-          </a:fillRef>
-          <a:effectRef idx="0">
-            <a:schemeClr val="accent1"/>
-          </a:effectRef>
-          <a:fontRef idx="minor">
-            <a:schemeClr val="lt1"/>
-          </a:fontRef>
-        </p:style>
-        <p:txBody>
-          <a:bodyPr rtlCol="0" anchor="ctr"/>
-          <a:lstStyle/>
-          <a:p>
-            <a:pPr algn="ctr"/>
-            <a:r>
-              <a:rPr lang="en-US" dirty="0"/>
-              <a:t>DB</a:t>
-            </a:r>
-          </a:p>
-        </p:txBody>
-      </p:sp>
-      <p:cxnSp>
-        <p:nvCxnSpPr>
-          <p:cNvPr id="8" name="Straight Arrow Connector 7"/>
-          <p:cNvCxnSpPr/>
-          <p:nvPr/>
-        </p:nvCxnSpPr>
-        <p:spPr>
-          <a:xfrm>
-            <a:off x="2962031" y="1609969"/>
-            <a:ext cx="5134707" cy="31262"/>
-          </a:xfrm>
-          <a:prstGeom prst="straightConnector1">
-            <a:avLst/>
-          </a:prstGeom>
-          <a:ln>
-            <a:tailEnd type="triangle"/>
-          </a:ln>
-        </p:spPr>
-        <p:style>
-          <a:lnRef idx="1">
-            <a:schemeClr val="accent1"/>
-          </a:lnRef>
-          <a:fillRef idx="0">
-            <a:schemeClr val="accent1"/>
-          </a:fillRef>
-          <a:effectRef idx="0">
-            <a:schemeClr val="accent1"/>
-          </a:effectRef>
-          <a:fontRef idx="minor">
-            <a:schemeClr val="tx1"/>
-          </a:fontRef>
-        </p:style>
-      </p:cxnSp>
-      <p:sp>
-        <p:nvSpPr>
-          <p:cNvPr id="9" name="TextBox 8"/>
-          <p:cNvSpPr txBox="1"/>
-          <p:nvPr/>
-        </p:nvSpPr>
-        <p:spPr>
-          <a:xfrm>
-            <a:off x="4329723" y="1340338"/>
-            <a:ext cx="1976631" cy="369332"/>
-          </a:xfrm>
-          <a:prstGeom prst="rect">
-            <a:avLst/>
-          </a:prstGeom>
-          <a:noFill/>
-        </p:spPr>
-        <p:txBody>
-          <a:bodyPr wrap="none" rtlCol="0">
-            <a:spAutoFit/>
-          </a:bodyPr>
-          <a:lstStyle/>
-          <a:p>
-            <a:r>
-              <a:rPr lang="en-US"/>
-              <a:t>www.example.com</a:t>
-            </a:r>
-            <a:endParaRPr lang="en-US" dirty="0"/>
-          </a:p>
-        </p:txBody>
-      </p:sp>
-      <p:cxnSp>
-        <p:nvCxnSpPr>
-          <p:cNvPr id="11" name="Straight Arrow Connector 10"/>
-          <p:cNvCxnSpPr/>
-          <p:nvPr/>
-        </p:nvCxnSpPr>
-        <p:spPr>
-          <a:xfrm>
-            <a:off x="9542585" y="1709670"/>
-            <a:ext cx="1039446" cy="548976"/>
-          </a:xfrm>
-          <a:prstGeom prst="straightConnector1">
-            <a:avLst/>
-          </a:prstGeom>
-          <a:ln>
-            <a:tailEnd type="triangle"/>
-          </a:ln>
-        </p:spPr>
-        <p:style>
-          <a:lnRef idx="1">
-            <a:schemeClr val="accent1"/>
-          </a:lnRef>
-          <a:fillRef idx="0">
-            <a:schemeClr val="accent1"/>
-          </a:fillRef>
-          <a:effectRef idx="0">
-            <a:schemeClr val="accent1"/>
-          </a:effectRef>
-          <a:fontRef idx="minor">
-            <a:schemeClr val="tx1"/>
-          </a:fontRef>
-        </p:style>
-      </p:cxnSp>
-      <p:cxnSp>
-        <p:nvCxnSpPr>
-          <p:cNvPr id="13" name="Straight Arrow Connector 12"/>
-          <p:cNvCxnSpPr>
-            <a:stCxn id="6" idx="2"/>
-          </p:cNvCxnSpPr>
-          <p:nvPr/>
-        </p:nvCxnSpPr>
-        <p:spPr>
-          <a:xfrm flipH="1" flipV="1">
-            <a:off x="9542585" y="2039815"/>
-            <a:ext cx="1039446" cy="558801"/>
-          </a:xfrm>
-          <a:prstGeom prst="straightConnector1">
-            <a:avLst/>
-          </a:prstGeom>
-          <a:ln>
-            <a:tailEnd type="triangle"/>
-          </a:ln>
-        </p:spPr>
-        <p:style>
-          <a:lnRef idx="1">
-            <a:schemeClr val="accent1"/>
-          </a:lnRef>
-          <a:fillRef idx="0">
-            <a:schemeClr val="accent1"/>
-          </a:fillRef>
-          <a:effectRef idx="0">
-            <a:schemeClr val="accent1"/>
-          </a:effectRef>
-          <a:fontRef idx="minor">
-            <a:schemeClr val="tx1"/>
-          </a:fontRef>
-        </p:style>
-      </p:cxnSp>
-      <p:cxnSp>
-        <p:nvCxnSpPr>
-          <p:cNvPr id="15" name="Straight Arrow Connector 14"/>
-          <p:cNvCxnSpPr>
-            <a:stCxn id="5" idx="1"/>
-            <a:endCxn id="4" idx="3"/>
-          </p:cNvCxnSpPr>
-          <p:nvPr/>
-        </p:nvCxnSpPr>
-        <p:spPr>
-          <a:xfrm flipH="1">
-            <a:off x="2962031" y="1883508"/>
-            <a:ext cx="5134707" cy="0"/>
-          </a:xfrm>
-          <a:prstGeom prst="straightConnector1">
-            <a:avLst/>
-          </a:prstGeom>
-          <a:ln>
-            <a:tailEnd type="triangle"/>
-          </a:ln>
-        </p:spPr>
-        <p:style>
-          <a:lnRef idx="1">
-            <a:schemeClr val="accent1"/>
-          </a:lnRef>
-          <a:fillRef idx="0">
-            <a:schemeClr val="accent1"/>
-          </a:fillRef>
-          <a:effectRef idx="0">
-            <a:schemeClr val="accent1"/>
-          </a:effectRef>
-          <a:fontRef idx="minor">
-            <a:schemeClr val="tx1"/>
-          </a:fontRef>
-        </p:style>
-      </p:cxnSp>
-      <p:sp>
-        <p:nvSpPr>
-          <p:cNvPr id="16" name="TextBox 15"/>
-          <p:cNvSpPr txBox="1"/>
-          <p:nvPr/>
-        </p:nvSpPr>
-        <p:spPr>
-          <a:xfrm>
-            <a:off x="4329723" y="1891322"/>
-            <a:ext cx="2891817" cy="369332"/>
-          </a:xfrm>
-          <a:prstGeom prst="rect">
-            <a:avLst/>
-          </a:prstGeom>
-          <a:noFill/>
-        </p:spPr>
-        <p:txBody>
-          <a:bodyPr wrap="none" rtlCol="0">
-            <a:spAutoFit/>
-          </a:bodyPr>
-          <a:lstStyle/>
-          <a:p>
-            <a:r>
-              <a:rPr lang="en-US" dirty="0" err="1"/>
-              <a:t>Index.html</a:t>
-            </a:r>
-            <a:r>
-              <a:rPr lang="en-US" dirty="0"/>
-              <a:t>, </a:t>
-            </a:r>
-            <a:r>
-              <a:rPr lang="en-US" dirty="0" err="1"/>
-              <a:t>style.css</a:t>
-            </a:r>
-            <a:r>
-              <a:rPr lang="en-US" dirty="0"/>
-              <a:t>, </a:t>
-            </a:r>
-            <a:r>
-              <a:rPr lang="en-US" dirty="0" err="1"/>
-              <a:t>index.js</a:t>
-            </a:r>
-            <a:endParaRPr lang="en-US" dirty="0"/>
+              <a:t>Intro to React</a:t>
+            </a:r>
           </a:p>
         </p:txBody>
       </p:sp>
     </p:spTree>
     <p:extLst>
       <p:ext uri="{BB962C8B-B14F-4D97-AF65-F5344CB8AC3E}">
-        <p14:creationId xmlns:p14="http://schemas.microsoft.com/office/powerpoint/2010/main" val="1195824329"/>
+        <p14:creationId xmlns:p14="http://schemas.microsoft.com/office/powerpoint/2010/main" val="3505687616"/>
       </p:ext>
     </p:extLst>
   </p:cSld>
@@ -3740,10 +3433,9 @@
               <a:buNone/>
             </a:pPr>
             <a:r>
-              <a:rPr lang="en-US" dirty="0" err="1"/>
-              <a:t>Unopiniated</a:t>
-            </a:r>
-            <a:endParaRPr lang="en-US" dirty="0"/>
+              <a:rPr lang="en-US" dirty="0"/>
+              <a:t>JSX</a:t>
+            </a:r>
           </a:p>
           <a:p>
             <a:pPr marL="0" indent="0" algn="ctr">
@@ -3751,16 +3443,7 @@
             </a:pPr>
             <a:r>
               <a:rPr lang="en-US" sz="2000" dirty="0"/>
-              <a:t>Power to pick and choose modules</a:t>
-            </a:r>
-          </a:p>
-          <a:p>
-            <a:pPr marL="0" indent="0" algn="ctr">
-              <a:buNone/>
-            </a:pPr>
-            <a:r>
-              <a:rPr lang="en-US" sz="2000" dirty="0"/>
-              <a:t>React being just View library</a:t>
+              <a:t>Abstraction to code on any platform</a:t>
             </a:r>
           </a:p>
           <a:p>
@@ -3776,7 +3459,7 @@
     </p:spTree>
     <p:extLst>
       <p:ext uri="{BB962C8B-B14F-4D97-AF65-F5344CB8AC3E}">
-        <p14:creationId xmlns:p14="http://schemas.microsoft.com/office/powerpoint/2010/main" val="3401026396"/>
+        <p14:creationId xmlns:p14="http://schemas.microsoft.com/office/powerpoint/2010/main" val="2672121238"/>
       </p:ext>
     </p:extLst>
   </p:cSld>
@@ -3845,9 +3528,10 @@
               <a:buNone/>
             </a:pPr>
             <a:r>
-              <a:rPr lang="en-US" dirty="0"/>
-              <a:t>Thriving Community</a:t>
-            </a:r>
+              <a:rPr lang="en-US" dirty="0" err="1"/>
+              <a:t>Unopiniated</a:t>
+            </a:r>
+            <a:endParaRPr lang="en-US" dirty="0"/>
           </a:p>
           <a:p>
             <a:pPr marL="0" indent="0" algn="ctr">
@@ -3855,7 +3539,7 @@
             </a:pPr>
             <a:r>
               <a:rPr lang="en-US" sz="2000" dirty="0"/>
-              <a:t>Backing by Facebook and huge community support</a:t>
+              <a:t>Power to pick and choose modules</a:t>
             </a:r>
           </a:p>
           <a:p>
@@ -3864,16 +3548,7 @@
             </a:pPr>
             <a:r>
               <a:rPr lang="en-US" sz="2000" dirty="0"/>
-              <a:t>3rd Party libraries</a:t>
-            </a:r>
-          </a:p>
-          <a:p>
-            <a:pPr marL="0" indent="0" algn="ctr">
-              <a:buNone/>
-            </a:pPr>
-            <a:r>
-              <a:rPr lang="en-US" sz="2000" dirty="0"/>
-              <a:t>MIT license in React 16</a:t>
+              <a:t>React being just View library</a:t>
             </a:r>
           </a:p>
           <a:p>
@@ -3889,7 +3564,7 @@
     </p:spTree>
     <p:extLst>
       <p:ext uri="{BB962C8B-B14F-4D97-AF65-F5344CB8AC3E}">
-        <p14:creationId xmlns:p14="http://schemas.microsoft.com/office/powerpoint/2010/main" val="3751227367"/>
+        <p14:creationId xmlns:p14="http://schemas.microsoft.com/office/powerpoint/2010/main" val="3401026396"/>
       </p:ext>
     </p:extLst>
   </p:cSld>
@@ -3959,18 +3634,8 @@
             </a:pPr>
             <a:r>
               <a:rPr lang="en-US" dirty="0"/>
-              <a:t>Type Checking</a:t>
-            </a:r>
-          </a:p>
-          <a:p>
-            <a:pPr marL="0" indent="0" algn="ctr">
-              <a:buNone/>
-            </a:pPr>
-            <a:r>
-              <a:rPr lang="en-US" sz="2000" dirty="0" err="1"/>
-              <a:t>TypeScript</a:t>
-            </a:r>
-            <a:endParaRPr lang="en-US" sz="2000" dirty="0"/>
+              <a:t>Thriving Community</a:t>
+            </a:r>
           </a:p>
           <a:p>
             <a:pPr marL="0" indent="0" algn="ctr">
@@ -3978,18 +3643,26 @@
             </a:pPr>
             <a:r>
               <a:rPr lang="en-US" sz="2000" dirty="0"/>
-              <a:t>Flow</a:t>
-            </a:r>
-          </a:p>
-          <a:p>
-            <a:pPr marL="0" indent="0" algn="ctr">
-              <a:buNone/>
-            </a:pPr>
-            <a:r>
-              <a:rPr lang="en-US" sz="2000" dirty="0" err="1"/>
-              <a:t>PropTypes</a:t>
-            </a:r>
-            <a:endParaRPr lang="en-US" sz="2000" dirty="0"/>
+              <a:t>Backing by Facebook and huge community support</a:t>
+            </a:r>
+          </a:p>
+          <a:p>
+            <a:pPr marL="0" indent="0" algn="ctr">
+              <a:buNone/>
+            </a:pPr>
+            <a:r>
+              <a:rPr lang="en-US" sz="2000" dirty="0"/>
+              <a:t>3rd Party libraries</a:t>
+            </a:r>
+          </a:p>
+          <a:p>
+            <a:pPr marL="0" indent="0" algn="ctr">
+              <a:buNone/>
+            </a:pPr>
+            <a:r>
+              <a:rPr lang="en-US" sz="2000" dirty="0"/>
+              <a:t>MIT license in React 16</a:t>
+            </a:r>
           </a:p>
           <a:p>
             <a:pPr lvl="1"/>
@@ -4004,7 +3677,7 @@
     </p:spTree>
     <p:extLst>
       <p:ext uri="{BB962C8B-B14F-4D97-AF65-F5344CB8AC3E}">
-        <p14:creationId xmlns:p14="http://schemas.microsoft.com/office/powerpoint/2010/main" val="2577116676"/>
+        <p14:creationId xmlns:p14="http://schemas.microsoft.com/office/powerpoint/2010/main" val="3751227367"/>
       </p:ext>
     </p:extLst>
   </p:cSld>
@@ -4074,8 +3747,18 @@
             </a:pPr>
             <a:r>
               <a:rPr lang="en-US" dirty="0"/>
-              <a:t>Server Side rendering</a:t>
-            </a:r>
+              <a:t>Type Checking</a:t>
+            </a:r>
+          </a:p>
+          <a:p>
+            <a:pPr marL="0" indent="0" algn="ctr">
+              <a:buNone/>
+            </a:pPr>
+            <a:r>
+              <a:rPr lang="en-US" sz="2000" dirty="0" err="1"/>
+              <a:t>TypeScript</a:t>
+            </a:r>
+            <a:endParaRPr lang="en-US" sz="2000" dirty="0"/>
           </a:p>
           <a:p>
             <a:pPr marL="0" indent="0" algn="ctr">
@@ -4083,26 +3766,21 @@
             </a:pPr>
             <a:r>
               <a:rPr lang="en-US" sz="2000" dirty="0"/>
-              <a:t>SEO</a:t>
-            </a:r>
-          </a:p>
-          <a:p>
-            <a:pPr marL="0" indent="0" algn="ctr">
-              <a:buNone/>
-            </a:pPr>
-            <a:r>
-              <a:rPr lang="en-US" sz="2000" dirty="0"/>
-              <a:t>First Meaningful Paint</a:t>
-            </a:r>
-          </a:p>
-          <a:p>
-            <a:pPr marL="0" indent="0" algn="ctr">
-              <a:buNone/>
-            </a:pPr>
-            <a:r>
-              <a:rPr lang="en-US" sz="2000" dirty="0"/>
-              <a:t>Supported by React from very early on</a:t>
-            </a:r>
+              <a:t>Flow</a:t>
+            </a:r>
+          </a:p>
+          <a:p>
+            <a:pPr marL="0" indent="0" algn="ctr">
+              <a:buNone/>
+            </a:pPr>
+            <a:r>
+              <a:rPr lang="en-US" sz="2000" dirty="0" err="1"/>
+              <a:t>PropTypes</a:t>
+            </a:r>
+            <a:endParaRPr lang="en-US" sz="2000" dirty="0"/>
+          </a:p>
+          <a:p>
+            <a:pPr lvl="1"/>
             <a:endParaRPr lang="en-US" dirty="0"/>
           </a:p>
           <a:p>
@@ -4114,7 +3792,7 @@
     </p:spTree>
     <p:extLst>
       <p:ext uri="{BB962C8B-B14F-4D97-AF65-F5344CB8AC3E}">
-        <p14:creationId xmlns:p14="http://schemas.microsoft.com/office/powerpoint/2010/main" val="2216651741"/>
+        <p14:creationId xmlns:p14="http://schemas.microsoft.com/office/powerpoint/2010/main" val="2577116676"/>
       </p:ext>
     </p:extLst>
   </p:cSld>
@@ -4184,6 +3862,116 @@
             </a:pPr>
             <a:r>
               <a:rPr lang="en-US" dirty="0"/>
+              <a:t>Server Side rendering</a:t>
+            </a:r>
+          </a:p>
+          <a:p>
+            <a:pPr marL="0" indent="0" algn="ctr">
+              <a:buNone/>
+            </a:pPr>
+            <a:r>
+              <a:rPr lang="en-US" sz="2000" dirty="0"/>
+              <a:t>SEO</a:t>
+            </a:r>
+          </a:p>
+          <a:p>
+            <a:pPr marL="0" indent="0" algn="ctr">
+              <a:buNone/>
+            </a:pPr>
+            <a:r>
+              <a:rPr lang="en-US" sz="2000" dirty="0"/>
+              <a:t>First Meaningful Paint</a:t>
+            </a:r>
+          </a:p>
+          <a:p>
+            <a:pPr marL="0" indent="0" algn="ctr">
+              <a:buNone/>
+            </a:pPr>
+            <a:r>
+              <a:rPr lang="en-US" sz="2000" dirty="0"/>
+              <a:t>Supported by React from very early on</a:t>
+            </a:r>
+            <a:endParaRPr lang="en-US" dirty="0"/>
+          </a:p>
+          <a:p>
+            <a:pPr lvl="1"/>
+            <a:endParaRPr lang="en-US" dirty="0"/>
+          </a:p>
+        </p:txBody>
+      </p:sp>
+    </p:spTree>
+    <p:extLst>
+      <p:ext uri="{BB962C8B-B14F-4D97-AF65-F5344CB8AC3E}">
+        <p14:creationId xmlns:p14="http://schemas.microsoft.com/office/powerpoint/2010/main" val="2216651741"/>
+      </p:ext>
+    </p:extLst>
+  </p:cSld>
+  <p:clrMapOvr>
+    <a:masterClrMapping/>
+  </p:clrMapOvr>
+</p:sld>
+</file>
+
+<file path=ppt/slides/slide15.xml><?xml version="1.0" encoding="utf-8"?>
+<p:sld xmlns:a="http://schemas.openxmlformats.org/drawingml/2006/main" xmlns:r="http://schemas.openxmlformats.org/officeDocument/2006/relationships" xmlns:p="http://schemas.openxmlformats.org/presentationml/2006/main">
+  <p:cSld>
+    <p:spTree>
+      <p:nvGrpSpPr>
+        <p:cNvPr id="1" name=""/>
+        <p:cNvGrpSpPr/>
+        <p:nvPr/>
+      </p:nvGrpSpPr>
+      <p:grpSpPr>
+        <a:xfrm>
+          <a:off x="0" y="0"/>
+          <a:ext cx="0" cy="0"/>
+          <a:chOff x="0" y="0"/>
+          <a:chExt cx="0" cy="0"/>
+        </a:xfrm>
+      </p:grpSpPr>
+      <p:sp>
+        <p:nvSpPr>
+          <p:cNvPr id="3" name="Content Placeholder 2"/>
+          <p:cNvSpPr>
+            <a:spLocks noGrp="1"/>
+          </p:cNvSpPr>
+          <p:nvPr>
+            <p:ph idx="1"/>
+          </p:nvPr>
+        </p:nvSpPr>
+        <p:spPr>
+          <a:xfrm>
+            <a:off x="728785" y="1161318"/>
+            <a:ext cx="10515600" cy="4351338"/>
+          </a:xfrm>
+        </p:spPr>
+        <p:txBody>
+          <a:bodyPr/>
+          <a:lstStyle/>
+          <a:p>
+            <a:pPr marL="0" indent="0" algn="ctr">
+              <a:buNone/>
+            </a:pPr>
+            <a:endParaRPr lang="en-US" dirty="0"/>
+          </a:p>
+          <a:p>
+            <a:pPr marL="0" indent="0" algn="ctr">
+              <a:buNone/>
+            </a:pPr>
+            <a:endParaRPr lang="en-US" dirty="0"/>
+          </a:p>
+          <a:p>
+            <a:pPr marL="0" indent="0" algn="ctr">
+              <a:buNone/>
+            </a:pPr>
+            <a:endParaRPr lang="en-US" dirty="0"/>
+          </a:p>
+          <a:p>
+            <a:pPr marL="0" indent="0" algn="ctr">
+              <a:buNone/>
+            </a:pPr>
+            <a:r>
+              <a:rPr lang="en-US" dirty="0"/>
               <a:t>Flux/Redux</a:t>
             </a:r>
           </a:p>
@@ -4237,7 +4025,7 @@
 </p:sld>
 </file>
 
-<file path=ppt/slides/slide15.xml><?xml version="1.0" encoding="utf-8"?>
+<file path=ppt/slides/slide16.xml><?xml version="1.0" encoding="utf-8"?>
 <p:sld xmlns:a="http://schemas.openxmlformats.org/drawingml/2006/main" xmlns:r="http://schemas.openxmlformats.org/officeDocument/2006/relationships" xmlns:p="http://schemas.openxmlformats.org/presentationml/2006/main">
   <p:cSld>
     <p:bg>
@@ -4306,92 +4094,6 @@
 </p:sld>
 </file>
 
-<file path=ppt/slides/slide16.xml><?xml version="1.0" encoding="utf-8"?>
-<p:sld xmlns:a="http://schemas.openxmlformats.org/drawingml/2006/main" xmlns:r="http://schemas.openxmlformats.org/officeDocument/2006/relationships" xmlns:p="http://schemas.openxmlformats.org/presentationml/2006/main">
-  <p:cSld>
-    <p:spTree>
-      <p:nvGrpSpPr>
-        <p:cNvPr id="1" name=""/>
-        <p:cNvGrpSpPr/>
-        <p:nvPr/>
-      </p:nvGrpSpPr>
-      <p:grpSpPr>
-        <a:xfrm>
-          <a:off x="0" y="0"/>
-          <a:ext cx="0" cy="0"/>
-          <a:chOff x="0" y="0"/>
-          <a:chExt cx="0" cy="0"/>
-        </a:xfrm>
-      </p:grpSpPr>
-      <p:sp>
-        <p:nvSpPr>
-          <p:cNvPr id="3" name="Content Placeholder 2"/>
-          <p:cNvSpPr>
-            <a:spLocks noGrp="1"/>
-          </p:cNvSpPr>
-          <p:nvPr>
-            <p:ph idx="1"/>
-          </p:nvPr>
-        </p:nvSpPr>
-        <p:spPr>
-          <a:xfrm>
-            <a:off x="728785" y="1161318"/>
-            <a:ext cx="10515600" cy="4351338"/>
-          </a:xfrm>
-        </p:spPr>
-        <p:txBody>
-          <a:bodyPr/>
-          <a:lstStyle/>
-          <a:p>
-            <a:pPr marL="0" indent="0" algn="ctr">
-              <a:buNone/>
-            </a:pPr>
-            <a:endParaRPr lang="en-US" dirty="0"/>
-          </a:p>
-          <a:p>
-            <a:pPr marL="0" indent="0" algn="ctr">
-              <a:buNone/>
-            </a:pPr>
-            <a:endParaRPr lang="en-US" dirty="0"/>
-          </a:p>
-          <a:p>
-            <a:pPr marL="0" indent="0" algn="ctr">
-              <a:buNone/>
-            </a:pPr>
-            <a:endParaRPr lang="en-US" dirty="0"/>
-          </a:p>
-          <a:p>
-            <a:pPr marL="0" indent="0" algn="ctr">
-              <a:buNone/>
-            </a:pPr>
-            <a:r>
-              <a:rPr lang="en-US" dirty="0"/>
-              <a:t>Hello World</a:t>
-            </a:r>
-          </a:p>
-          <a:p>
-            <a:pPr lvl="1"/>
-            <a:endParaRPr lang="en-US" dirty="0"/>
-          </a:p>
-          <a:p>
-            <a:pPr lvl="1"/>
-            <a:endParaRPr lang="en-US" dirty="0"/>
-          </a:p>
-        </p:txBody>
-      </p:sp>
-    </p:spTree>
-    <p:extLst>
-      <p:ext uri="{BB962C8B-B14F-4D97-AF65-F5344CB8AC3E}">
-        <p14:creationId xmlns:p14="http://schemas.microsoft.com/office/powerpoint/2010/main" val="4135806857"/>
-      </p:ext>
-    </p:extLst>
-  </p:cSld>
-  <p:clrMapOvr>
-    <a:masterClrMapping/>
-  </p:clrMapOvr>
-</p:sld>
-</file>
-
 <file path=ppt/slides/slide17.xml><?xml version="1.0" encoding="utf-8"?>
 <p:sld xmlns:a="http://schemas.openxmlformats.org/drawingml/2006/main" xmlns:r="http://schemas.openxmlformats.org/officeDocument/2006/relationships" xmlns:p="http://schemas.openxmlformats.org/presentationml/2006/main">
   <p:cSld>
@@ -4452,24 +4154,11 @@
             </a:pPr>
             <a:r>
               <a:rPr lang="en-US" dirty="0"/>
-              <a:t>https://</a:t>
-            </a:r>
-            <a:r>
-              <a:rPr lang="en-US" dirty="0" err="1"/>
-              <a:t>github.com</a:t>
-            </a:r>
-            <a:r>
-              <a:rPr lang="en-US" dirty="0"/>
-              <a:t>/</a:t>
-            </a:r>
-            <a:r>
-              <a:rPr lang="en-US" dirty="0" err="1"/>
-              <a:t>souvikbasu</a:t>
-            </a:r>
-            <a:r>
-              <a:rPr lang="en-US"/>
-              <a:t>/react-training</a:t>
-            </a:r>
+              <a:t>Hello World</a:t>
+            </a:r>
+          </a:p>
+          <a:p>
+            <a:pPr lvl="1"/>
             <a:endParaRPr lang="en-US" dirty="0"/>
           </a:p>
           <a:p>
@@ -4481,7 +4170,7 @@
     </p:spTree>
     <p:extLst>
       <p:ext uri="{BB962C8B-B14F-4D97-AF65-F5344CB8AC3E}">
-        <p14:creationId xmlns:p14="http://schemas.microsoft.com/office/powerpoint/2010/main" val="91125048"/>
+        <p14:creationId xmlns:p14="http://schemas.microsoft.com/office/powerpoint/2010/main" val="4135806857"/>
       </p:ext>
     </p:extLst>
   </p:cSld>
@@ -4551,12 +4240,24 @@
             </a:pPr>
             <a:r>
               <a:rPr lang="en-US" dirty="0"/>
-              <a:t>React Elements</a:t>
-            </a:r>
-          </a:p>
-          <a:p>
-            <a:pPr lvl="1"/>
-            <a:endParaRPr lang="en-US" dirty="0"/>
+              <a:t>https://</a:t>
+            </a:r>
+            <a:r>
+              <a:rPr lang="en-US" dirty="0" err="1"/>
+              <a:t>github.com</a:t>
+            </a:r>
+            <a:r>
+              <a:rPr lang="en-US" dirty="0"/>
+              <a:t>/</a:t>
+            </a:r>
+            <a:r>
+              <a:rPr lang="en-US" dirty="0" err="1"/>
+              <a:t>souvikbasu</a:t>
+            </a:r>
+            <a:r>
+              <a:rPr lang="en-US" dirty="0"/>
+              <a:t>/react-training</a:t>
+            </a:r>
           </a:p>
           <a:p>
             <a:pPr lvl="1"/>
@@ -4567,7 +4268,7 @@
     </p:spTree>
     <p:extLst>
       <p:ext uri="{BB962C8B-B14F-4D97-AF65-F5344CB8AC3E}">
-        <p14:creationId xmlns:p14="http://schemas.microsoft.com/office/powerpoint/2010/main" val="3514718756"/>
+        <p14:creationId xmlns:p14="http://schemas.microsoft.com/office/powerpoint/2010/main" val="91125048"/>
       </p:ext>
     </p:extLst>
   </p:cSld>
@@ -4637,7 +4338,7 @@
             </a:pPr>
             <a:r>
               <a:rPr lang="en-US" dirty="0"/>
-              <a:t>React Elements with Dynamic data</a:t>
+              <a:t>React Elements</a:t>
             </a:r>
           </a:p>
           <a:p>
@@ -4653,7 +4354,7 @@
     </p:spTree>
     <p:extLst>
       <p:ext uri="{BB962C8B-B14F-4D97-AF65-F5344CB8AC3E}">
-        <p14:creationId xmlns:p14="http://schemas.microsoft.com/office/powerpoint/2010/main" val="503245854"/>
+        <p14:creationId xmlns:p14="http://schemas.microsoft.com/office/powerpoint/2010/main" val="3514718756"/>
       </p:ext>
     </p:extLst>
   </p:cSld>
@@ -4875,15 +4576,13 @@
       <p:cxnSp>
         <p:nvCxnSpPr>
           <p:cNvPr id="11" name="Straight Arrow Connector 10"/>
-          <p:cNvCxnSpPr>
-            <a:cxnSpLocks/>
-          </p:cNvCxnSpPr>
+          <p:cNvCxnSpPr/>
           <p:nvPr/>
         </p:nvCxnSpPr>
         <p:spPr>
           <a:xfrm>
-            <a:off x="8374185" y="2426677"/>
-            <a:ext cx="0" cy="525530"/>
+            <a:off x="9542585" y="1709670"/>
+            <a:ext cx="1039446" cy="548976"/>
           </a:xfrm>
           <a:prstGeom prst="straightConnector1">
             <a:avLst/>
@@ -4911,14 +4610,14 @@
         <p:nvCxnSpPr>
           <p:cNvPr id="13" name="Straight Arrow Connector 12"/>
           <p:cNvCxnSpPr>
-            <a:cxnSpLocks/>
+            <a:stCxn id="6" idx="2"/>
           </p:cNvCxnSpPr>
           <p:nvPr/>
         </p:nvCxnSpPr>
         <p:spPr>
-          <a:xfrm flipV="1">
-            <a:off x="8893908" y="2426678"/>
-            <a:ext cx="0" cy="525529"/>
+          <a:xfrm flipH="1" flipV="1">
+            <a:off x="9542585" y="2039815"/>
+            <a:ext cx="1039446" cy="558801"/>
           </a:xfrm>
           <a:prstGeom prst="straightConnector1">
             <a:avLst/>
@@ -5024,137 +4723,10 @@
           </a:p>
         </p:txBody>
       </p:sp>
-      <p:cxnSp>
-        <p:nvCxnSpPr>
-          <p:cNvPr id="12" name="Straight Arrow Connector 11">
-            <a:extLst>
-              <a:ext uri="{FF2B5EF4-FFF2-40B4-BE49-F238E27FC236}">
-                <a16:creationId xmlns:a16="http://schemas.microsoft.com/office/drawing/2014/main" id="{AC565343-B784-8647-B0F0-60AC354691F3}"/>
-              </a:ext>
-            </a:extLst>
-          </p:cNvPr>
-          <p:cNvCxnSpPr/>
-          <p:nvPr/>
-        </p:nvCxnSpPr>
-        <p:spPr>
-          <a:xfrm flipV="1">
-            <a:off x="9542585" y="2258646"/>
-            <a:ext cx="1039446" cy="1094154"/>
-          </a:xfrm>
-          <a:prstGeom prst="straightConnector1">
-            <a:avLst/>
-          </a:prstGeom>
-          <a:ln>
-            <a:tailEnd type="triangle"/>
-          </a:ln>
-        </p:spPr>
-        <p:style>
-          <a:lnRef idx="1">
-            <a:schemeClr val="accent1"/>
-          </a:lnRef>
-          <a:fillRef idx="0">
-            <a:schemeClr val="accent1"/>
-          </a:fillRef>
-          <a:effectRef idx="0">
-            <a:schemeClr val="accent1"/>
-          </a:effectRef>
-          <a:fontRef idx="minor">
-            <a:schemeClr val="tx1"/>
-          </a:fontRef>
-        </p:style>
-      </p:cxnSp>
-      <p:cxnSp>
-        <p:nvCxnSpPr>
-          <p:cNvPr id="14" name="Straight Arrow Connector 13">
-            <a:extLst>
-              <a:ext uri="{FF2B5EF4-FFF2-40B4-BE49-F238E27FC236}">
-                <a16:creationId xmlns:a16="http://schemas.microsoft.com/office/drawing/2014/main" id="{004AD8F8-D478-3A46-A263-E1EE3DDA76E5}"/>
-              </a:ext>
-            </a:extLst>
-          </p:cNvPr>
-          <p:cNvCxnSpPr/>
-          <p:nvPr/>
-        </p:nvCxnSpPr>
-        <p:spPr>
-          <a:xfrm flipH="1">
-            <a:off x="9542585" y="2598616"/>
-            <a:ext cx="1039446" cy="1191846"/>
-          </a:xfrm>
-          <a:prstGeom prst="straightConnector1">
-            <a:avLst/>
-          </a:prstGeom>
-          <a:ln>
-            <a:tailEnd type="triangle"/>
-          </a:ln>
-        </p:spPr>
-        <p:style>
-          <a:lnRef idx="1">
-            <a:schemeClr val="accent1"/>
-          </a:lnRef>
-          <a:fillRef idx="0">
-            <a:schemeClr val="accent1"/>
-          </a:fillRef>
-          <a:effectRef idx="0">
-            <a:schemeClr val="accent1"/>
-          </a:effectRef>
-          <a:fontRef idx="minor">
-            <a:schemeClr val="tx1"/>
-          </a:fontRef>
-        </p:style>
-      </p:cxnSp>
-      <p:sp>
-        <p:nvSpPr>
-          <p:cNvPr id="17" name="Rectangle 16">
-            <a:extLst>
-              <a:ext uri="{FF2B5EF4-FFF2-40B4-BE49-F238E27FC236}">
-                <a16:creationId xmlns:a16="http://schemas.microsoft.com/office/drawing/2014/main" id="{90C5009F-1583-A340-B85B-0845A64BCF13}"/>
-              </a:ext>
-            </a:extLst>
-          </p:cNvPr>
-          <p:cNvSpPr/>
-          <p:nvPr/>
-        </p:nvSpPr>
-        <p:spPr>
-          <a:xfrm>
-            <a:off x="8096738" y="2952207"/>
-            <a:ext cx="1445847" cy="1086339"/>
-          </a:xfrm>
-          <a:prstGeom prst="rect">
-            <a:avLst/>
-          </a:prstGeom>
-        </p:spPr>
-        <p:style>
-          <a:lnRef idx="2">
-            <a:schemeClr val="accent1">
-              <a:shade val="50000"/>
-            </a:schemeClr>
-          </a:lnRef>
-          <a:fillRef idx="1">
-            <a:schemeClr val="accent1"/>
-          </a:fillRef>
-          <a:effectRef idx="0">
-            <a:schemeClr val="accent1"/>
-          </a:effectRef>
-          <a:fontRef idx="minor">
-            <a:schemeClr val="lt1"/>
-          </a:fontRef>
-        </p:style>
-        <p:txBody>
-          <a:bodyPr rtlCol="0" anchor="ctr"/>
-          <a:lstStyle/>
-          <a:p>
-            <a:pPr algn="ctr"/>
-            <a:r>
-              <a:rPr lang="en-US" dirty="0"/>
-              <a:t>API Server</a:t>
-            </a:r>
-          </a:p>
-        </p:txBody>
-      </p:sp>
     </p:spTree>
     <p:extLst>
       <p:ext uri="{BB962C8B-B14F-4D97-AF65-F5344CB8AC3E}">
-        <p14:creationId xmlns:p14="http://schemas.microsoft.com/office/powerpoint/2010/main" val="3955844205"/>
+        <p14:creationId xmlns:p14="http://schemas.microsoft.com/office/powerpoint/2010/main" val="1195824329"/>
       </p:ext>
     </p:extLst>
   </p:cSld>
@@ -5224,7 +4796,7 @@
             </a:pPr>
             <a:r>
               <a:rPr lang="en-US" dirty="0"/>
-              <a:t>React Component</a:t>
+              <a:t>React Elements with Dynamic data</a:t>
             </a:r>
           </a:p>
           <a:p>
@@ -5240,7 +4812,7 @@
     </p:spTree>
     <p:extLst>
       <p:ext uri="{BB962C8B-B14F-4D97-AF65-F5344CB8AC3E}">
-        <p14:creationId xmlns:p14="http://schemas.microsoft.com/office/powerpoint/2010/main" val="3458357186"/>
+        <p14:creationId xmlns:p14="http://schemas.microsoft.com/office/powerpoint/2010/main" val="503245854"/>
       </p:ext>
     </p:extLst>
   </p:cSld>
@@ -5310,7 +4882,7 @@
             </a:pPr>
             <a:r>
               <a:rPr lang="en-US" dirty="0"/>
-              <a:t>Create React App CLI</a:t>
+              <a:t>React Component</a:t>
             </a:r>
           </a:p>
           <a:p>
@@ -5326,7 +4898,7 @@
     </p:spTree>
     <p:extLst>
       <p:ext uri="{BB962C8B-B14F-4D97-AF65-F5344CB8AC3E}">
-        <p14:creationId xmlns:p14="http://schemas.microsoft.com/office/powerpoint/2010/main" val="2397843410"/>
+        <p14:creationId xmlns:p14="http://schemas.microsoft.com/office/powerpoint/2010/main" val="3458357186"/>
       </p:ext>
     </p:extLst>
   </p:cSld>
@@ -5396,7 +4968,7 @@
             </a:pPr>
             <a:r>
               <a:rPr lang="en-US" dirty="0"/>
-              <a:t>React Component with Props</a:t>
+              <a:t>Create React App CLI</a:t>
             </a:r>
           </a:p>
           <a:p>
@@ -5412,7 +4984,7 @@
     </p:spTree>
     <p:extLst>
       <p:ext uri="{BB962C8B-B14F-4D97-AF65-F5344CB8AC3E}">
-        <p14:creationId xmlns:p14="http://schemas.microsoft.com/office/powerpoint/2010/main" val="1271002495"/>
+        <p14:creationId xmlns:p14="http://schemas.microsoft.com/office/powerpoint/2010/main" val="2397843410"/>
       </p:ext>
     </p:extLst>
   </p:cSld>
@@ -5482,7 +5054,7 @@
             </a:pPr>
             <a:r>
               <a:rPr lang="en-US" dirty="0"/>
-              <a:t>React Component with State</a:t>
+              <a:t>React Component with Props</a:t>
             </a:r>
           </a:p>
           <a:p>
@@ -5498,7 +5070,7 @@
     </p:spTree>
     <p:extLst>
       <p:ext uri="{BB962C8B-B14F-4D97-AF65-F5344CB8AC3E}">
-        <p14:creationId xmlns:p14="http://schemas.microsoft.com/office/powerpoint/2010/main" val="2096625840"/>
+        <p14:creationId xmlns:p14="http://schemas.microsoft.com/office/powerpoint/2010/main" val="1271002495"/>
       </p:ext>
     </p:extLst>
   </p:cSld>
@@ -5568,7 +5140,7 @@
             </a:pPr>
             <a:r>
               <a:rPr lang="en-US" dirty="0"/>
-              <a:t>React Component Styling</a:t>
+              <a:t>React Component with State</a:t>
             </a:r>
           </a:p>
           <a:p>
@@ -5584,7 +5156,7 @@
     </p:spTree>
     <p:extLst>
       <p:ext uri="{BB962C8B-B14F-4D97-AF65-F5344CB8AC3E}">
-        <p14:creationId xmlns:p14="http://schemas.microsoft.com/office/powerpoint/2010/main" val="1337815421"/>
+        <p14:creationId xmlns:p14="http://schemas.microsoft.com/office/powerpoint/2010/main" val="2096625840"/>
       </p:ext>
     </p:extLst>
   </p:cSld>
@@ -5654,7 +5226,7 @@
             </a:pPr>
             <a:r>
               <a:rPr lang="en-US" dirty="0"/>
-              <a:t>Event Handling</a:t>
+              <a:t>React Component Styling</a:t>
             </a:r>
           </a:p>
           <a:p>
@@ -5670,7 +5242,7 @@
     </p:spTree>
     <p:extLst>
       <p:ext uri="{BB962C8B-B14F-4D97-AF65-F5344CB8AC3E}">
-        <p14:creationId xmlns:p14="http://schemas.microsoft.com/office/powerpoint/2010/main" val="3050293559"/>
+        <p14:creationId xmlns:p14="http://schemas.microsoft.com/office/powerpoint/2010/main" val="1337815421"/>
       </p:ext>
     </p:extLst>
   </p:cSld>
@@ -5740,6 +5312,92 @@
             </a:pPr>
             <a:r>
               <a:rPr lang="en-US" dirty="0"/>
+              <a:t>Event Handling</a:t>
+            </a:r>
+          </a:p>
+          <a:p>
+            <a:pPr lvl="1"/>
+            <a:endParaRPr lang="en-US" dirty="0"/>
+          </a:p>
+          <a:p>
+            <a:pPr lvl="1"/>
+            <a:endParaRPr lang="en-US" dirty="0"/>
+          </a:p>
+        </p:txBody>
+      </p:sp>
+    </p:spTree>
+    <p:extLst>
+      <p:ext uri="{BB962C8B-B14F-4D97-AF65-F5344CB8AC3E}">
+        <p14:creationId xmlns:p14="http://schemas.microsoft.com/office/powerpoint/2010/main" val="3050293559"/>
+      </p:ext>
+    </p:extLst>
+  </p:cSld>
+  <p:clrMapOvr>
+    <a:masterClrMapping/>
+  </p:clrMapOvr>
+</p:sld>
+</file>
+
+<file path=ppt/slides/slide27.xml><?xml version="1.0" encoding="utf-8"?>
+<p:sld xmlns:a="http://schemas.openxmlformats.org/drawingml/2006/main" xmlns:r="http://schemas.openxmlformats.org/officeDocument/2006/relationships" xmlns:p="http://schemas.openxmlformats.org/presentationml/2006/main">
+  <p:cSld>
+    <p:spTree>
+      <p:nvGrpSpPr>
+        <p:cNvPr id="1" name=""/>
+        <p:cNvGrpSpPr/>
+        <p:nvPr/>
+      </p:nvGrpSpPr>
+      <p:grpSpPr>
+        <a:xfrm>
+          <a:off x="0" y="0"/>
+          <a:ext cx="0" cy="0"/>
+          <a:chOff x="0" y="0"/>
+          <a:chExt cx="0" cy="0"/>
+        </a:xfrm>
+      </p:grpSpPr>
+      <p:sp>
+        <p:nvSpPr>
+          <p:cNvPr id="3" name="Content Placeholder 2"/>
+          <p:cNvSpPr>
+            <a:spLocks noGrp="1"/>
+          </p:cNvSpPr>
+          <p:nvPr>
+            <p:ph idx="1"/>
+          </p:nvPr>
+        </p:nvSpPr>
+        <p:spPr>
+          <a:xfrm>
+            <a:off x="728785" y="1161318"/>
+            <a:ext cx="10515600" cy="4351338"/>
+          </a:xfrm>
+        </p:spPr>
+        <p:txBody>
+          <a:bodyPr/>
+          <a:lstStyle/>
+          <a:p>
+            <a:pPr marL="0" indent="0" algn="ctr">
+              <a:buNone/>
+            </a:pPr>
+            <a:endParaRPr lang="en-US" dirty="0"/>
+          </a:p>
+          <a:p>
+            <a:pPr marL="0" indent="0" algn="ctr">
+              <a:buNone/>
+            </a:pPr>
+            <a:endParaRPr lang="en-US" dirty="0"/>
+          </a:p>
+          <a:p>
+            <a:pPr marL="0" indent="0" algn="ctr">
+              <a:buNone/>
+            </a:pPr>
+            <a:endParaRPr lang="en-US" dirty="0"/>
+          </a:p>
+          <a:p>
+            <a:pPr marL="0" indent="0" algn="ctr">
+              <a:buNone/>
+            </a:pPr>
+            <a:r>
+              <a:rPr lang="en-US" dirty="0"/>
               <a:t>List and Keys</a:t>
             </a:r>
           </a:p>
@@ -5766,7 +5424,7 @@
 </p:sld>
 </file>
 
-<file path=ppt/slides/slide27.xml><?xml version="1.0" encoding="utf-8"?>
+<file path=ppt/slides/slide28.xml><?xml version="1.0" encoding="utf-8"?>
 <p:sld xmlns:a="http://schemas.openxmlformats.org/drawingml/2006/main" xmlns:r="http://schemas.openxmlformats.org/officeDocument/2006/relationships" xmlns:p="http://schemas.openxmlformats.org/presentationml/2006/main">
   <p:cSld>
     <p:spTree>
@@ -6055,7 +5713,7 @@
         <p:spPr>
           <a:xfrm>
             <a:off x="4329723" y="1340338"/>
-            <a:ext cx="2699842" cy="369332"/>
+            <a:ext cx="1976631" cy="369332"/>
           </a:xfrm>
           <a:prstGeom prst="rect">
             <a:avLst/>
@@ -6069,9 +5727,506 @@
           <a:lstStyle/>
           <a:p>
             <a:r>
+              <a:rPr lang="en-US"/>
+              <a:t>www.example.com</a:t>
+            </a:r>
+            <a:endParaRPr lang="en-US" dirty="0"/>
+          </a:p>
+        </p:txBody>
+      </p:sp>
+      <p:cxnSp>
+        <p:nvCxnSpPr>
+          <p:cNvPr id="11" name="Straight Arrow Connector 10"/>
+          <p:cNvCxnSpPr>
+            <a:cxnSpLocks/>
+          </p:cNvCxnSpPr>
+          <p:nvPr/>
+        </p:nvCxnSpPr>
+        <p:spPr>
+          <a:xfrm>
+            <a:off x="8374185" y="2426677"/>
+            <a:ext cx="0" cy="525530"/>
+          </a:xfrm>
+          <a:prstGeom prst="straightConnector1">
+            <a:avLst/>
+          </a:prstGeom>
+          <a:ln>
+            <a:tailEnd type="triangle"/>
+          </a:ln>
+        </p:spPr>
+        <p:style>
+          <a:lnRef idx="1">
+            <a:schemeClr val="accent1"/>
+          </a:lnRef>
+          <a:fillRef idx="0">
+            <a:schemeClr val="accent1"/>
+          </a:fillRef>
+          <a:effectRef idx="0">
+            <a:schemeClr val="accent1"/>
+          </a:effectRef>
+          <a:fontRef idx="minor">
+            <a:schemeClr val="tx1"/>
+          </a:fontRef>
+        </p:style>
+      </p:cxnSp>
+      <p:cxnSp>
+        <p:nvCxnSpPr>
+          <p:cNvPr id="13" name="Straight Arrow Connector 12"/>
+          <p:cNvCxnSpPr>
+            <a:cxnSpLocks/>
+          </p:cNvCxnSpPr>
+          <p:nvPr/>
+        </p:nvCxnSpPr>
+        <p:spPr>
+          <a:xfrm flipV="1">
+            <a:off x="8893908" y="2426678"/>
+            <a:ext cx="0" cy="525529"/>
+          </a:xfrm>
+          <a:prstGeom prst="straightConnector1">
+            <a:avLst/>
+          </a:prstGeom>
+          <a:ln>
+            <a:tailEnd type="triangle"/>
+          </a:ln>
+        </p:spPr>
+        <p:style>
+          <a:lnRef idx="1">
+            <a:schemeClr val="accent1"/>
+          </a:lnRef>
+          <a:fillRef idx="0">
+            <a:schemeClr val="accent1"/>
+          </a:fillRef>
+          <a:effectRef idx="0">
+            <a:schemeClr val="accent1"/>
+          </a:effectRef>
+          <a:fontRef idx="minor">
+            <a:schemeClr val="tx1"/>
+          </a:fontRef>
+        </p:style>
+      </p:cxnSp>
+      <p:cxnSp>
+        <p:nvCxnSpPr>
+          <p:cNvPr id="15" name="Straight Arrow Connector 14"/>
+          <p:cNvCxnSpPr>
+            <a:stCxn id="5" idx="1"/>
+            <a:endCxn id="4" idx="3"/>
+          </p:cNvCxnSpPr>
+          <p:nvPr/>
+        </p:nvCxnSpPr>
+        <p:spPr>
+          <a:xfrm flipH="1">
+            <a:off x="2962031" y="1883508"/>
+            <a:ext cx="5134707" cy="0"/>
+          </a:xfrm>
+          <a:prstGeom prst="straightConnector1">
+            <a:avLst/>
+          </a:prstGeom>
+          <a:ln>
+            <a:tailEnd type="triangle"/>
+          </a:ln>
+        </p:spPr>
+        <p:style>
+          <a:lnRef idx="1">
+            <a:schemeClr val="accent1"/>
+          </a:lnRef>
+          <a:fillRef idx="0">
+            <a:schemeClr val="accent1"/>
+          </a:fillRef>
+          <a:effectRef idx="0">
+            <a:schemeClr val="accent1"/>
+          </a:effectRef>
+          <a:fontRef idx="minor">
+            <a:schemeClr val="tx1"/>
+          </a:fontRef>
+        </p:style>
+      </p:cxnSp>
+      <p:sp>
+        <p:nvSpPr>
+          <p:cNvPr id="16" name="TextBox 15"/>
+          <p:cNvSpPr txBox="1"/>
+          <p:nvPr/>
+        </p:nvSpPr>
+        <p:spPr>
+          <a:xfrm>
+            <a:off x="4329723" y="1891322"/>
+            <a:ext cx="2891817" cy="369332"/>
+          </a:xfrm>
+          <a:prstGeom prst="rect">
+            <a:avLst/>
+          </a:prstGeom>
+          <a:noFill/>
+        </p:spPr>
+        <p:txBody>
+          <a:bodyPr wrap="none" rtlCol="0">
+            <a:spAutoFit/>
+          </a:bodyPr>
+          <a:lstStyle/>
+          <a:p>
+            <a:r>
+              <a:rPr lang="en-US" dirty="0" err="1"/>
+              <a:t>Index.html</a:t>
+            </a:r>
+            <a:r>
               <a:rPr lang="en-US" dirty="0"/>
-              <a:t>https://</a:t>
-            </a:r>
+              <a:t>, </a:t>
+            </a:r>
+            <a:r>
+              <a:rPr lang="en-US" dirty="0" err="1"/>
+              <a:t>style.css</a:t>
+            </a:r>
+            <a:r>
+              <a:rPr lang="en-US" dirty="0"/>
+              <a:t>, </a:t>
+            </a:r>
+            <a:r>
+              <a:rPr lang="en-US" dirty="0" err="1"/>
+              <a:t>index.js</a:t>
+            </a:r>
+            <a:endParaRPr lang="en-US" dirty="0"/>
+          </a:p>
+        </p:txBody>
+      </p:sp>
+      <p:cxnSp>
+        <p:nvCxnSpPr>
+          <p:cNvPr id="12" name="Straight Arrow Connector 11">
+            <a:extLst>
+              <a:ext uri="{FF2B5EF4-FFF2-40B4-BE49-F238E27FC236}">
+                <a16:creationId xmlns:a16="http://schemas.microsoft.com/office/drawing/2014/main" id="{AC565343-B784-8647-B0F0-60AC354691F3}"/>
+              </a:ext>
+            </a:extLst>
+          </p:cNvPr>
+          <p:cNvCxnSpPr/>
+          <p:nvPr/>
+        </p:nvCxnSpPr>
+        <p:spPr>
+          <a:xfrm flipV="1">
+            <a:off x="9542585" y="2258646"/>
+            <a:ext cx="1039446" cy="1094154"/>
+          </a:xfrm>
+          <a:prstGeom prst="straightConnector1">
+            <a:avLst/>
+          </a:prstGeom>
+          <a:ln>
+            <a:tailEnd type="triangle"/>
+          </a:ln>
+        </p:spPr>
+        <p:style>
+          <a:lnRef idx="1">
+            <a:schemeClr val="accent1"/>
+          </a:lnRef>
+          <a:fillRef idx="0">
+            <a:schemeClr val="accent1"/>
+          </a:fillRef>
+          <a:effectRef idx="0">
+            <a:schemeClr val="accent1"/>
+          </a:effectRef>
+          <a:fontRef idx="minor">
+            <a:schemeClr val="tx1"/>
+          </a:fontRef>
+        </p:style>
+      </p:cxnSp>
+      <p:cxnSp>
+        <p:nvCxnSpPr>
+          <p:cNvPr id="14" name="Straight Arrow Connector 13">
+            <a:extLst>
+              <a:ext uri="{FF2B5EF4-FFF2-40B4-BE49-F238E27FC236}">
+                <a16:creationId xmlns:a16="http://schemas.microsoft.com/office/drawing/2014/main" id="{004AD8F8-D478-3A46-A263-E1EE3DDA76E5}"/>
+              </a:ext>
+            </a:extLst>
+          </p:cNvPr>
+          <p:cNvCxnSpPr/>
+          <p:nvPr/>
+        </p:nvCxnSpPr>
+        <p:spPr>
+          <a:xfrm flipH="1">
+            <a:off x="9542585" y="2598616"/>
+            <a:ext cx="1039446" cy="1191846"/>
+          </a:xfrm>
+          <a:prstGeom prst="straightConnector1">
+            <a:avLst/>
+          </a:prstGeom>
+          <a:ln>
+            <a:tailEnd type="triangle"/>
+          </a:ln>
+        </p:spPr>
+        <p:style>
+          <a:lnRef idx="1">
+            <a:schemeClr val="accent1"/>
+          </a:lnRef>
+          <a:fillRef idx="0">
+            <a:schemeClr val="accent1"/>
+          </a:fillRef>
+          <a:effectRef idx="0">
+            <a:schemeClr val="accent1"/>
+          </a:effectRef>
+          <a:fontRef idx="minor">
+            <a:schemeClr val="tx1"/>
+          </a:fontRef>
+        </p:style>
+      </p:cxnSp>
+      <p:sp>
+        <p:nvSpPr>
+          <p:cNvPr id="17" name="Rectangle 16">
+            <a:extLst>
+              <a:ext uri="{FF2B5EF4-FFF2-40B4-BE49-F238E27FC236}">
+                <a16:creationId xmlns:a16="http://schemas.microsoft.com/office/drawing/2014/main" id="{90C5009F-1583-A340-B85B-0845A64BCF13}"/>
+              </a:ext>
+            </a:extLst>
+          </p:cNvPr>
+          <p:cNvSpPr/>
+          <p:nvPr/>
+        </p:nvSpPr>
+        <p:spPr>
+          <a:xfrm>
+            <a:off x="8096738" y="2952207"/>
+            <a:ext cx="1445847" cy="1086339"/>
+          </a:xfrm>
+          <a:prstGeom prst="rect">
+            <a:avLst/>
+          </a:prstGeom>
+        </p:spPr>
+        <p:style>
+          <a:lnRef idx="2">
+            <a:schemeClr val="accent1">
+              <a:shade val="50000"/>
+            </a:schemeClr>
+          </a:lnRef>
+          <a:fillRef idx="1">
+            <a:schemeClr val="accent1"/>
+          </a:fillRef>
+          <a:effectRef idx="0">
+            <a:schemeClr val="accent1"/>
+          </a:effectRef>
+          <a:fontRef idx="minor">
+            <a:schemeClr val="lt1"/>
+          </a:fontRef>
+        </p:style>
+        <p:txBody>
+          <a:bodyPr rtlCol="0" anchor="ctr"/>
+          <a:lstStyle/>
+          <a:p>
+            <a:pPr algn="ctr"/>
+            <a:r>
+              <a:rPr lang="en-US" dirty="0"/>
+              <a:t>API Server</a:t>
+            </a:r>
+          </a:p>
+        </p:txBody>
+      </p:sp>
+    </p:spTree>
+    <p:extLst>
+      <p:ext uri="{BB962C8B-B14F-4D97-AF65-F5344CB8AC3E}">
+        <p14:creationId xmlns:p14="http://schemas.microsoft.com/office/powerpoint/2010/main" val="3955844205"/>
+      </p:ext>
+    </p:extLst>
+  </p:cSld>
+  <p:clrMapOvr>
+    <a:masterClrMapping/>
+  </p:clrMapOvr>
+</p:sld>
+</file>
+
+<file path=ppt/slides/slide4.xml><?xml version="1.0" encoding="utf-8"?>
+<p:sld xmlns:a="http://schemas.openxmlformats.org/drawingml/2006/main" xmlns:r="http://schemas.openxmlformats.org/officeDocument/2006/relationships" xmlns:p="http://schemas.openxmlformats.org/presentationml/2006/main">
+  <p:cSld>
+    <p:spTree>
+      <p:nvGrpSpPr>
+        <p:cNvPr id="1" name=""/>
+        <p:cNvGrpSpPr/>
+        <p:nvPr/>
+      </p:nvGrpSpPr>
+      <p:grpSpPr>
+        <a:xfrm>
+          <a:off x="0" y="0"/>
+          <a:ext cx="0" cy="0"/>
+          <a:chOff x="0" y="0"/>
+          <a:chExt cx="0" cy="0"/>
+        </a:xfrm>
+      </p:grpSpPr>
+      <p:sp>
+        <p:nvSpPr>
+          <p:cNvPr id="4" name="Rectangle 3"/>
+          <p:cNvSpPr/>
+          <p:nvPr/>
+        </p:nvSpPr>
+        <p:spPr>
+          <a:xfrm>
+            <a:off x="1680308" y="1375508"/>
+            <a:ext cx="1281723" cy="1016000"/>
+          </a:xfrm>
+          <a:prstGeom prst="rect">
+            <a:avLst/>
+          </a:prstGeom>
+        </p:spPr>
+        <p:style>
+          <a:lnRef idx="2">
+            <a:schemeClr val="accent1">
+              <a:shade val="50000"/>
+            </a:schemeClr>
+          </a:lnRef>
+          <a:fillRef idx="1">
+            <a:schemeClr val="accent1"/>
+          </a:fillRef>
+          <a:effectRef idx="0">
+            <a:schemeClr val="accent1"/>
+          </a:effectRef>
+          <a:fontRef idx="minor">
+            <a:schemeClr val="lt1"/>
+          </a:fontRef>
+        </p:style>
+        <p:txBody>
+          <a:bodyPr rtlCol="0" anchor="ctr"/>
+          <a:lstStyle/>
+          <a:p>
+            <a:pPr algn="ctr"/>
+            <a:r>
+              <a:rPr lang="en-US" dirty="0"/>
+              <a:t>Browser</a:t>
+            </a:r>
+          </a:p>
+        </p:txBody>
+      </p:sp>
+      <p:sp>
+        <p:nvSpPr>
+          <p:cNvPr id="5" name="Rectangle 4"/>
+          <p:cNvSpPr/>
+          <p:nvPr/>
+        </p:nvSpPr>
+        <p:spPr>
+          <a:xfrm>
+            <a:off x="8096738" y="1340338"/>
+            <a:ext cx="1445847" cy="1086339"/>
+          </a:xfrm>
+          <a:prstGeom prst="rect">
+            <a:avLst/>
+          </a:prstGeom>
+        </p:spPr>
+        <p:style>
+          <a:lnRef idx="2">
+            <a:schemeClr val="accent1">
+              <a:shade val="50000"/>
+            </a:schemeClr>
+          </a:lnRef>
+          <a:fillRef idx="1">
+            <a:schemeClr val="accent1"/>
+          </a:fillRef>
+          <a:effectRef idx="0">
+            <a:schemeClr val="accent1"/>
+          </a:effectRef>
+          <a:fontRef idx="minor">
+            <a:schemeClr val="lt1"/>
+          </a:fontRef>
+        </p:style>
+        <p:txBody>
+          <a:bodyPr rtlCol="0" anchor="ctr"/>
+          <a:lstStyle/>
+          <a:p>
+            <a:pPr algn="ctr"/>
+            <a:r>
+              <a:rPr lang="en-US" dirty="0"/>
+              <a:t>Web Server</a:t>
+            </a:r>
+          </a:p>
+        </p:txBody>
+      </p:sp>
+      <p:sp>
+        <p:nvSpPr>
+          <p:cNvPr id="6" name="Can 5"/>
+          <p:cNvSpPr/>
+          <p:nvPr/>
+        </p:nvSpPr>
+        <p:spPr>
+          <a:xfrm>
+            <a:off x="10582031" y="2133600"/>
+            <a:ext cx="648677" cy="930031"/>
+          </a:xfrm>
+          <a:prstGeom prst="can">
+            <a:avLst/>
+          </a:prstGeom>
+        </p:spPr>
+        <p:style>
+          <a:lnRef idx="2">
+            <a:schemeClr val="accent1">
+              <a:shade val="50000"/>
+            </a:schemeClr>
+          </a:lnRef>
+          <a:fillRef idx="1">
+            <a:schemeClr val="accent1"/>
+          </a:fillRef>
+          <a:effectRef idx="0">
+            <a:schemeClr val="accent1"/>
+          </a:effectRef>
+          <a:fontRef idx="minor">
+            <a:schemeClr val="lt1"/>
+          </a:fontRef>
+        </p:style>
+        <p:txBody>
+          <a:bodyPr rtlCol="0" anchor="ctr"/>
+          <a:lstStyle/>
+          <a:p>
+            <a:pPr algn="ctr"/>
+            <a:r>
+              <a:rPr lang="en-US" dirty="0"/>
+              <a:t>DB</a:t>
+            </a:r>
+          </a:p>
+        </p:txBody>
+      </p:sp>
+      <p:cxnSp>
+        <p:nvCxnSpPr>
+          <p:cNvPr id="8" name="Straight Arrow Connector 7"/>
+          <p:cNvCxnSpPr/>
+          <p:nvPr/>
+        </p:nvCxnSpPr>
+        <p:spPr>
+          <a:xfrm>
+            <a:off x="2962031" y="1609969"/>
+            <a:ext cx="5134707" cy="31262"/>
+          </a:xfrm>
+          <a:prstGeom prst="straightConnector1">
+            <a:avLst/>
+          </a:prstGeom>
+          <a:ln>
+            <a:tailEnd type="triangle"/>
+          </a:ln>
+        </p:spPr>
+        <p:style>
+          <a:lnRef idx="1">
+            <a:schemeClr val="accent1"/>
+          </a:lnRef>
+          <a:fillRef idx="0">
+            <a:schemeClr val="accent1"/>
+          </a:fillRef>
+          <a:effectRef idx="0">
+            <a:schemeClr val="accent1"/>
+          </a:effectRef>
+          <a:fontRef idx="minor">
+            <a:schemeClr val="tx1"/>
+          </a:fontRef>
+        </p:style>
+      </p:cxnSp>
+      <p:sp>
+        <p:nvSpPr>
+          <p:cNvPr id="9" name="TextBox 8"/>
+          <p:cNvSpPr txBox="1"/>
+          <p:nvPr/>
+        </p:nvSpPr>
+        <p:spPr>
+          <a:xfrm>
+            <a:off x="4329723" y="1340338"/>
+            <a:ext cx="1976760" cy="369332"/>
+          </a:xfrm>
+          <a:prstGeom prst="rect">
+            <a:avLst/>
+          </a:prstGeom>
+          <a:noFill/>
+        </p:spPr>
+        <p:txBody>
+          <a:bodyPr wrap="none" rtlCol="0">
+            <a:spAutoFit/>
+          </a:bodyPr>
+          <a:lstStyle/>
+          <a:p>
             <a:r>
               <a:rPr lang="en-US" dirty="0" err="1"/>
               <a:t>www.example.com</a:t>
@@ -6354,7 +6509,7 @@
 </p:sld>
 </file>
 
-<file path=ppt/slides/slide4.xml><?xml version="1.0" encoding="utf-8"?>
+<file path=ppt/slides/slide5.xml><?xml version="1.0" encoding="utf-8"?>
 <p:sld xmlns:a="http://schemas.openxmlformats.org/drawingml/2006/main" xmlns:r="http://schemas.openxmlformats.org/officeDocument/2006/relationships" xmlns:p="http://schemas.openxmlformats.org/presentationml/2006/main">
   <p:cSld>
     <p:spTree>
@@ -7110,125 +7265,6 @@
     <p:extLst>
       <p:ext uri="{BB962C8B-B14F-4D97-AF65-F5344CB8AC3E}">
         <p14:creationId xmlns:p14="http://schemas.microsoft.com/office/powerpoint/2010/main" val="192016614"/>
-      </p:ext>
-    </p:extLst>
-  </p:cSld>
-  <p:clrMapOvr>
-    <a:masterClrMapping/>
-  </p:clrMapOvr>
-</p:sld>
-</file>
-
-<file path=ppt/slides/slide5.xml><?xml version="1.0" encoding="utf-8"?>
-<p:sld xmlns:a="http://schemas.openxmlformats.org/drawingml/2006/main" xmlns:r="http://schemas.openxmlformats.org/officeDocument/2006/relationships" xmlns:p="http://schemas.openxmlformats.org/presentationml/2006/main">
-  <p:cSld>
-    <p:spTree>
-      <p:nvGrpSpPr>
-        <p:cNvPr id="1" name=""/>
-        <p:cNvGrpSpPr/>
-        <p:nvPr/>
-      </p:nvGrpSpPr>
-      <p:grpSpPr>
-        <a:xfrm>
-          <a:off x="0" y="0"/>
-          <a:ext cx="0" cy="0"/>
-          <a:chOff x="0" y="0"/>
-          <a:chExt cx="0" cy="0"/>
-        </a:xfrm>
-      </p:grpSpPr>
-      <p:sp>
-        <p:nvSpPr>
-          <p:cNvPr id="2" name="Title 1">
-            <a:extLst>
-              <a:ext uri="{FF2B5EF4-FFF2-40B4-BE49-F238E27FC236}">
-                <a16:creationId xmlns:a16="http://schemas.microsoft.com/office/drawing/2014/main" id="{82B2364F-082B-0D4A-873E-11367336F956}"/>
-              </a:ext>
-            </a:extLst>
-          </p:cNvPr>
-          <p:cNvSpPr>
-            <a:spLocks noGrp="1"/>
-          </p:cNvSpPr>
-          <p:nvPr>
-            <p:ph type="title"/>
-          </p:nvPr>
-        </p:nvSpPr>
-        <p:spPr/>
-        <p:txBody>
-          <a:bodyPr/>
-          <a:lstStyle/>
-          <a:p>
-            <a:r>
-              <a:rPr lang="en-US" dirty="0"/>
-              <a:t>React Basics</a:t>
-            </a:r>
-          </a:p>
-        </p:txBody>
-      </p:sp>
-      <p:sp>
-        <p:nvSpPr>
-          <p:cNvPr id="3" name="Content Placeholder 2">
-            <a:extLst>
-              <a:ext uri="{FF2B5EF4-FFF2-40B4-BE49-F238E27FC236}">
-                <a16:creationId xmlns:a16="http://schemas.microsoft.com/office/drawing/2014/main" id="{4159642B-CC3E-324E-979B-EA2E45BBC93B}"/>
-              </a:ext>
-            </a:extLst>
-          </p:cNvPr>
-          <p:cNvSpPr>
-            <a:spLocks noGrp="1"/>
-          </p:cNvSpPr>
-          <p:nvPr>
-            <p:ph idx="1"/>
-          </p:nvPr>
-        </p:nvSpPr>
-        <p:spPr/>
-        <p:txBody>
-          <a:bodyPr/>
-          <a:lstStyle/>
-          <a:p>
-            <a:r>
-              <a:rPr lang="en-US" dirty="0"/>
-              <a:t>Virtual DOM</a:t>
-            </a:r>
-          </a:p>
-          <a:p>
-            <a:r>
-              <a:rPr lang="en-US" dirty="0"/>
-              <a:t>Immutability</a:t>
-            </a:r>
-          </a:p>
-          <a:p>
-            <a:r>
-              <a:rPr lang="en-US" dirty="0"/>
-              <a:t>JSX</a:t>
-            </a:r>
-          </a:p>
-          <a:p>
-            <a:r>
-              <a:rPr lang="en-US" dirty="0"/>
-              <a:t>Busted myth of Separation of Concern of HTML, JS, CSS</a:t>
-            </a:r>
-          </a:p>
-          <a:p>
-            <a:r>
-              <a:rPr lang="en-US" dirty="0"/>
-              <a:t>Components</a:t>
-            </a:r>
-          </a:p>
-          <a:p>
-            <a:r>
-              <a:rPr lang="en-US" dirty="0"/>
-              <a:t>React Elements</a:t>
-            </a:r>
-          </a:p>
-          <a:p>
-            <a:endParaRPr lang="en-US" dirty="0"/>
-          </a:p>
-        </p:txBody>
-      </p:sp>
-    </p:spTree>
-    <p:extLst>
-      <p:ext uri="{BB962C8B-B14F-4D97-AF65-F5344CB8AC3E}">
-        <p14:creationId xmlns:p14="http://schemas.microsoft.com/office/powerpoint/2010/main" val="3828543631"/>
       </p:ext>
     </p:extLst>
   </p:cSld>
@@ -7257,7 +7293,41 @@
       </p:grpSpPr>
       <p:sp>
         <p:nvSpPr>
-          <p:cNvPr id="3" name="Content Placeholder 2"/>
+          <p:cNvPr id="2" name="Title 1">
+            <a:extLst>
+              <a:ext uri="{FF2B5EF4-FFF2-40B4-BE49-F238E27FC236}">
+                <a16:creationId xmlns:a16="http://schemas.microsoft.com/office/drawing/2014/main" id="{82B2364F-082B-0D4A-873E-11367336F956}"/>
+              </a:ext>
+            </a:extLst>
+          </p:cNvPr>
+          <p:cNvSpPr>
+            <a:spLocks noGrp="1"/>
+          </p:cNvSpPr>
+          <p:nvPr>
+            <p:ph type="title"/>
+          </p:nvPr>
+        </p:nvSpPr>
+        <p:spPr/>
+        <p:txBody>
+          <a:bodyPr/>
+          <a:lstStyle/>
+          <a:p>
+            <a:r>
+              <a:rPr lang="en-US" dirty="0"/>
+              <a:t>React Basics</a:t>
+            </a:r>
+          </a:p>
+        </p:txBody>
+      </p:sp>
+      <p:sp>
+        <p:nvSpPr>
+          <p:cNvPr id="3" name="Content Placeholder 2">
+            <a:extLst>
+              <a:ext uri="{FF2B5EF4-FFF2-40B4-BE49-F238E27FC236}">
+                <a16:creationId xmlns:a16="http://schemas.microsoft.com/office/drawing/2014/main" id="{4159642B-CC3E-324E-979B-EA2E45BBC93B}"/>
+              </a:ext>
+            </a:extLst>
+          </p:cNvPr>
           <p:cNvSpPr>
             <a:spLocks noGrp="1"/>
           </p:cNvSpPr>
@@ -7265,58 +7335,47 @@
             <p:ph idx="1"/>
           </p:nvPr>
         </p:nvSpPr>
-        <p:spPr>
-          <a:xfrm>
-            <a:off x="728785" y="1161318"/>
-            <a:ext cx="10515600" cy="4351338"/>
-          </a:xfrm>
-        </p:spPr>
+        <p:spPr/>
         <p:txBody>
           <a:bodyPr/>
           <a:lstStyle/>
           <a:p>
-            <a:pPr marL="0" indent="0" algn="ctr">
-              <a:buNone/>
-            </a:pPr>
-            <a:endParaRPr lang="en-US" dirty="0"/>
-          </a:p>
-          <a:p>
-            <a:pPr marL="0" indent="0" algn="ctr">
-              <a:buNone/>
-            </a:pPr>
-            <a:endParaRPr lang="en-US" dirty="0"/>
-          </a:p>
-          <a:p>
-            <a:pPr marL="0" indent="0" algn="ctr">
-              <a:buNone/>
-            </a:pPr>
-            <a:endParaRPr lang="en-US" dirty="0"/>
-          </a:p>
-          <a:p>
-            <a:pPr marL="0" indent="0" algn="ctr">
-              <a:buNone/>
-            </a:pPr>
             <a:r>
               <a:rPr lang="en-US" dirty="0"/>
               <a:t>Virtual DOM</a:t>
             </a:r>
           </a:p>
           <a:p>
-            <a:pPr marL="457200" lvl="1" indent="0" algn="ctr">
-              <a:buNone/>
-            </a:pPr>
-            <a:r>
-              <a:rPr lang="en-US" sz="2000" dirty="0"/>
-              <a:t>Performance of Diffing </a:t>
-            </a:r>
-            <a:r>
-              <a:rPr lang="en-US" sz="2000" dirty="0" err="1"/>
-              <a:t>algo</a:t>
-            </a:r>
-            <a:endParaRPr lang="en-US" dirty="0"/>
-          </a:p>
-          <a:p>
-            <a:pPr lvl="1"/>
+            <a:r>
+              <a:rPr lang="en-US" dirty="0"/>
+              <a:t>Immutability</a:t>
+            </a:r>
+          </a:p>
+          <a:p>
+            <a:r>
+              <a:rPr lang="en-US" dirty="0"/>
+              <a:t>JSX</a:t>
+            </a:r>
+          </a:p>
+          <a:p>
+            <a:r>
+              <a:rPr lang="en-US" dirty="0"/>
+              <a:t>Myth of Separation of Concern of HTML, JS, CSS</a:t>
+            </a:r>
+          </a:p>
+          <a:p>
+            <a:r>
+              <a:rPr lang="en-US" dirty="0"/>
+              <a:t>Components</a:t>
+            </a:r>
+          </a:p>
+          <a:p>
+            <a:r>
+              <a:rPr lang="en-US" dirty="0"/>
+              <a:t>React Elements</a:t>
+            </a:r>
+          </a:p>
+          <a:p>
             <a:endParaRPr lang="en-US" dirty="0"/>
           </a:p>
         </p:txBody>
@@ -7324,7 +7383,7 @@
     </p:spTree>
     <p:extLst>
       <p:ext uri="{BB962C8B-B14F-4D97-AF65-F5344CB8AC3E}">
-        <p14:creationId xmlns:p14="http://schemas.microsoft.com/office/powerpoint/2010/main" val="128734139"/>
+        <p14:creationId xmlns:p14="http://schemas.microsoft.com/office/powerpoint/2010/main" val="3828543631"/>
       </p:ext>
     </p:extLst>
   </p:cSld>
@@ -7353,91 +7412,74 @@
       </p:grpSpPr>
       <p:sp>
         <p:nvSpPr>
-          <p:cNvPr id="2" name="Title 1">
-            <a:extLst>
-              <a:ext uri="{FF2B5EF4-FFF2-40B4-BE49-F238E27FC236}">
-                <a16:creationId xmlns:a16="http://schemas.microsoft.com/office/drawing/2014/main" id="{66EDBAAC-3E08-524D-8039-27F22ABCCF40}"/>
-              </a:ext>
-            </a:extLst>
-          </p:cNvPr>
-          <p:cNvSpPr>
-            <a:spLocks noGrp="1"/>
-          </p:cNvSpPr>
-          <p:nvPr>
-            <p:ph type="title"/>
-          </p:nvPr>
-        </p:nvSpPr>
-        <p:spPr/>
+          <p:cNvPr id="3" name="Content Placeholder 2"/>
+          <p:cNvSpPr>
+            <a:spLocks noGrp="1"/>
+          </p:cNvSpPr>
+          <p:nvPr>
+            <p:ph idx="1"/>
+          </p:nvPr>
+        </p:nvSpPr>
+        <p:spPr>
+          <a:xfrm>
+            <a:off x="728785" y="1161318"/>
+            <a:ext cx="10515600" cy="4351338"/>
+          </a:xfrm>
+        </p:spPr>
         <p:txBody>
           <a:bodyPr/>
           <a:lstStyle/>
           <a:p>
+            <a:pPr marL="0" indent="0" algn="ctr">
+              <a:buNone/>
+            </a:pPr>
+            <a:endParaRPr lang="en-US" dirty="0"/>
+          </a:p>
+          <a:p>
+            <a:pPr marL="0" indent="0" algn="ctr">
+              <a:buNone/>
+            </a:pPr>
+            <a:endParaRPr lang="en-US" dirty="0"/>
+          </a:p>
+          <a:p>
+            <a:pPr marL="0" indent="0" algn="ctr">
+              <a:buNone/>
+            </a:pPr>
+            <a:endParaRPr lang="en-US" dirty="0"/>
+          </a:p>
+          <a:p>
+            <a:pPr marL="0" indent="0" algn="ctr">
+              <a:buNone/>
+            </a:pPr>
             <a:r>
               <a:rPr lang="en-US" dirty="0"/>
-              <a:t>How DOM is rendered</a:t>
-            </a:r>
-          </a:p>
-        </p:txBody>
-      </p:sp>
-      <p:sp>
-        <p:nvSpPr>
-          <p:cNvPr id="3" name="Content Placeholder 2">
-            <a:extLst>
-              <a:ext uri="{FF2B5EF4-FFF2-40B4-BE49-F238E27FC236}">
-                <a16:creationId xmlns:a16="http://schemas.microsoft.com/office/drawing/2014/main" id="{C65C0596-4391-9142-B42B-258711078532}"/>
-              </a:ext>
-            </a:extLst>
-          </p:cNvPr>
-          <p:cNvSpPr>
-            <a:spLocks noGrp="1"/>
-          </p:cNvSpPr>
-          <p:nvPr>
-            <p:ph idx="1"/>
-          </p:nvPr>
-        </p:nvSpPr>
-        <p:spPr/>
-        <p:txBody>
-          <a:bodyPr/>
-          <a:lstStyle/>
-          <a:p>
-            <a:endParaRPr lang="en-US"/>
-          </a:p>
-        </p:txBody>
-      </p:sp>
-      <p:pic>
-        <p:nvPicPr>
-          <p:cNvPr id="4" name="Picture 3">
-            <a:extLst>
-              <a:ext uri="{FF2B5EF4-FFF2-40B4-BE49-F238E27FC236}">
-                <a16:creationId xmlns:a16="http://schemas.microsoft.com/office/drawing/2014/main" id="{84E63AF8-B539-6F43-8599-47D1CFFE18CD}"/>
-              </a:ext>
-            </a:extLst>
-          </p:cNvPr>
-          <p:cNvPicPr>
-            <a:picLocks noChangeAspect="1"/>
-          </p:cNvPicPr>
-          <p:nvPr/>
-        </p:nvPicPr>
-        <p:blipFill>
-          <a:blip r:embed="rId2"/>
-          <a:stretch>
-            <a:fillRect/>
-          </a:stretch>
-        </p:blipFill>
-        <p:spPr>
-          <a:xfrm>
-            <a:off x="2440798" y="1948960"/>
-            <a:ext cx="7310403" cy="3357685"/>
-          </a:xfrm>
-          <a:prstGeom prst="rect">
-            <a:avLst/>
-          </a:prstGeom>
-        </p:spPr>
-      </p:pic>
+              <a:t>Virtual DOM</a:t>
+            </a:r>
+          </a:p>
+          <a:p>
+            <a:pPr marL="457200" lvl="1" indent="0" algn="ctr">
+              <a:buNone/>
+            </a:pPr>
+            <a:r>
+              <a:rPr lang="en-US" sz="2000" dirty="0"/>
+              <a:t>Performance of Diffing </a:t>
+            </a:r>
+            <a:r>
+              <a:rPr lang="en-US" sz="2000" dirty="0" err="1"/>
+              <a:t>algo</a:t>
+            </a:r>
+            <a:endParaRPr lang="en-US" dirty="0"/>
+          </a:p>
+          <a:p>
+            <a:pPr lvl="1"/>
+            <a:endParaRPr lang="en-US" dirty="0"/>
+          </a:p>
+        </p:txBody>
+      </p:sp>
     </p:spTree>
     <p:extLst>
       <p:ext uri="{BB962C8B-B14F-4D97-AF65-F5344CB8AC3E}">
-        <p14:creationId xmlns:p14="http://schemas.microsoft.com/office/powerpoint/2010/main" val="1702007993"/>
+        <p14:creationId xmlns:p14="http://schemas.microsoft.com/office/powerpoint/2010/main" val="128734139"/>
       </p:ext>
     </p:extLst>
   </p:cSld>
@@ -7466,7 +7508,41 @@
       </p:grpSpPr>
       <p:sp>
         <p:nvSpPr>
-          <p:cNvPr id="3" name="Content Placeholder 2"/>
+          <p:cNvPr id="2" name="Title 1">
+            <a:extLst>
+              <a:ext uri="{FF2B5EF4-FFF2-40B4-BE49-F238E27FC236}">
+                <a16:creationId xmlns:a16="http://schemas.microsoft.com/office/drawing/2014/main" id="{66EDBAAC-3E08-524D-8039-27F22ABCCF40}"/>
+              </a:ext>
+            </a:extLst>
+          </p:cNvPr>
+          <p:cNvSpPr>
+            <a:spLocks noGrp="1"/>
+          </p:cNvSpPr>
+          <p:nvPr>
+            <p:ph type="title"/>
+          </p:nvPr>
+        </p:nvSpPr>
+        <p:spPr/>
+        <p:txBody>
+          <a:bodyPr/>
+          <a:lstStyle/>
+          <a:p>
+            <a:r>
+              <a:rPr lang="en-US" dirty="0"/>
+              <a:t>How DOM is rendered</a:t>
+            </a:r>
+          </a:p>
+        </p:txBody>
+      </p:sp>
+      <p:sp>
+        <p:nvSpPr>
+          <p:cNvPr id="3" name="Content Placeholder 2">
+            <a:extLst>
+              <a:ext uri="{FF2B5EF4-FFF2-40B4-BE49-F238E27FC236}">
+                <a16:creationId xmlns:a16="http://schemas.microsoft.com/office/drawing/2014/main" id="{C65C0596-4391-9142-B42B-258711078532}"/>
+              </a:ext>
+            </a:extLst>
+          </p:cNvPr>
           <p:cNvSpPr>
             <a:spLocks noGrp="1"/>
           </p:cNvSpPr>
@@ -7474,76 +7550,49 @@
             <p:ph idx="1"/>
           </p:nvPr>
         </p:nvSpPr>
-        <p:spPr>
-          <a:xfrm>
-            <a:off x="728785" y="1161318"/>
-            <a:ext cx="10515600" cy="4351338"/>
-          </a:xfrm>
-        </p:spPr>
+        <p:spPr/>
         <p:txBody>
           <a:bodyPr/>
           <a:lstStyle/>
           <a:p>
-            <a:pPr marL="0" indent="0" algn="ctr">
-              <a:buNone/>
-            </a:pPr>
-            <a:endParaRPr lang="en-US" dirty="0"/>
-          </a:p>
-          <a:p>
-            <a:pPr marL="0" indent="0" algn="ctr">
-              <a:buNone/>
-            </a:pPr>
-            <a:endParaRPr lang="en-US" dirty="0"/>
-          </a:p>
-          <a:p>
-            <a:pPr marL="0" indent="0" algn="ctr">
-              <a:buNone/>
-            </a:pPr>
-            <a:endParaRPr lang="en-US" dirty="0"/>
-          </a:p>
-          <a:p>
-            <a:pPr marL="0" indent="0" algn="ctr">
-              <a:buNone/>
-            </a:pPr>
-            <a:r>
-              <a:rPr lang="en-US" dirty="0"/>
-              <a:t>Immutability</a:t>
-            </a:r>
-          </a:p>
-          <a:p>
-            <a:pPr marL="0" indent="0" algn="ctr">
-              <a:buNone/>
-            </a:pPr>
-            <a:r>
-              <a:rPr lang="en-US" sz="2000" dirty="0"/>
-              <a:t>Handling app complexity</a:t>
-            </a:r>
-          </a:p>
-          <a:p>
-            <a:pPr marL="0" indent="0" algn="ctr">
-              <a:buNone/>
-            </a:pPr>
-            <a:r>
-              <a:rPr lang="en-US" sz="2000" dirty="0"/>
-              <a:t>Improving Performance</a:t>
-            </a:r>
-          </a:p>
-          <a:p>
-            <a:pPr marL="0" indent="0" algn="ctr">
-              <a:buNone/>
-            </a:pPr>
-            <a:endParaRPr lang="en-US" sz="2000" dirty="0"/>
-          </a:p>
-          <a:p>
-            <a:pPr lvl="1"/>
-            <a:endParaRPr lang="en-US" dirty="0"/>
-          </a:p>
-        </p:txBody>
-      </p:sp>
+            <a:endParaRPr lang="en-US"/>
+          </a:p>
+        </p:txBody>
+      </p:sp>
+      <p:pic>
+        <p:nvPicPr>
+          <p:cNvPr id="4" name="Picture 3">
+            <a:extLst>
+              <a:ext uri="{FF2B5EF4-FFF2-40B4-BE49-F238E27FC236}">
+                <a16:creationId xmlns:a16="http://schemas.microsoft.com/office/drawing/2014/main" id="{84E63AF8-B539-6F43-8599-47D1CFFE18CD}"/>
+              </a:ext>
+            </a:extLst>
+          </p:cNvPr>
+          <p:cNvPicPr>
+            <a:picLocks noChangeAspect="1"/>
+          </p:cNvPicPr>
+          <p:nvPr/>
+        </p:nvPicPr>
+        <p:blipFill>
+          <a:blip r:embed="rId2"/>
+          <a:stretch>
+            <a:fillRect/>
+          </a:stretch>
+        </p:blipFill>
+        <p:spPr>
+          <a:xfrm>
+            <a:off x="2440798" y="1948960"/>
+            <a:ext cx="7310403" cy="3357685"/>
+          </a:xfrm>
+          <a:prstGeom prst="rect">
+            <a:avLst/>
+          </a:prstGeom>
+        </p:spPr>
+      </p:pic>
     </p:spTree>
     <p:extLst>
       <p:ext uri="{BB962C8B-B14F-4D97-AF65-F5344CB8AC3E}">
-        <p14:creationId xmlns:p14="http://schemas.microsoft.com/office/powerpoint/2010/main" val="3605586595"/>
+        <p14:creationId xmlns:p14="http://schemas.microsoft.com/office/powerpoint/2010/main" val="1702007993"/>
       </p:ext>
     </p:extLst>
   </p:cSld>
@@ -7613,7 +7662,7 @@
             </a:pPr>
             <a:r>
               <a:rPr lang="en-US" dirty="0"/>
-              <a:t>JSX</a:t>
+              <a:t>Immutability</a:t>
             </a:r>
           </a:p>
           <a:p>
@@ -7622,12 +7671,23 @@
             </a:pPr>
             <a:r>
               <a:rPr lang="en-US" sz="2000" dirty="0"/>
-              <a:t>Abstraction to code on any platform</a:t>
-            </a:r>
-          </a:p>
-          <a:p>
-            <a:pPr lvl="1"/>
-            <a:endParaRPr lang="en-US" dirty="0"/>
+              <a:t>Handling app complexity</a:t>
+            </a:r>
+          </a:p>
+          <a:p>
+            <a:pPr marL="0" indent="0" algn="ctr">
+              <a:buNone/>
+            </a:pPr>
+            <a:r>
+              <a:rPr lang="en-US" sz="2000" dirty="0"/>
+              <a:t>Improving Performance</a:t>
+            </a:r>
+          </a:p>
+          <a:p>
+            <a:pPr marL="0" indent="0" algn="ctr">
+              <a:buNone/>
+            </a:pPr>
+            <a:endParaRPr lang="en-US" sz="2000" dirty="0"/>
           </a:p>
           <a:p>
             <a:pPr lvl="1"/>
@@ -7638,7 +7698,7 @@
     </p:spTree>
     <p:extLst>
       <p:ext uri="{BB962C8B-B14F-4D97-AF65-F5344CB8AC3E}">
-        <p14:creationId xmlns:p14="http://schemas.microsoft.com/office/powerpoint/2010/main" val="2672121238"/>
+        <p14:creationId xmlns:p14="http://schemas.microsoft.com/office/powerpoint/2010/main" val="3605586595"/>
       </p:ext>
     </p:extLst>
   </p:cSld>
